--- a/notes/Lecture_03.pptx
+++ b/notes/Lecture_03.pptx
@@ -6,10 +6,10 @@
     <p:sldMasterId id="2147483801" r:id="rId2"/>
   </p:sldMasterIdLst>
   <p:notesMasterIdLst>
-    <p:notesMasterId r:id="rId24"/>
+    <p:notesMasterId r:id="rId25"/>
   </p:notesMasterIdLst>
   <p:handoutMasterIdLst>
-    <p:handoutMasterId r:id="rId25"/>
+    <p:handoutMasterId r:id="rId26"/>
   </p:handoutMasterIdLst>
   <p:sldIdLst>
     <p:sldId id="256" r:id="rId3"/>
@@ -33,6 +33,7 @@
     <p:sldId id="320" r:id="rId21"/>
     <p:sldId id="306" r:id="rId22"/>
     <p:sldId id="305" r:id="rId23"/>
+    <p:sldId id="323" r:id="rId24"/>
   </p:sldIdLst>
   <p:sldSz cx="12192000" cy="6858000"/>
   <p:notesSz cx="7010400" cy="9296400"/>
@@ -36471,7 +36472,12 @@
             <p:ph type="ctrTitle"/>
           </p:nvPr>
         </p:nvSpPr>
-        <p:spPr/>
+        <p:spPr>
+          <a:xfrm>
+            <a:off x="1524000" y="790405"/>
+            <a:ext cx="9144000" cy="1835150"/>
+          </a:xfrm>
+        </p:spPr>
         <p:txBody>
           <a:bodyPr>
             <a:normAutofit/>
@@ -36501,7 +36507,12 @@
             <p:ph type="subTitle" idx="1"/>
           </p:nvPr>
         </p:nvSpPr>
-        <p:spPr/>
+        <p:spPr>
+          <a:xfrm>
+            <a:off x="1524000" y="2637462"/>
+            <a:ext cx="9144000" cy="1655762"/>
+          </a:xfrm>
+        </p:spPr>
         <p:txBody>
           <a:bodyPr>
             <a:normAutofit lnSpcReduction="10000"/>
@@ -36545,6 +36556,106 @@
               <a:t>igorsteinmacher</a:t>
             </a:r>
             <a:endParaRPr lang="en-US" dirty="0"/>
+          </a:p>
+        </p:txBody>
+      </p:sp>
+      <p:sp>
+        <p:nvSpPr>
+          <p:cNvPr id="2" name="TextBox 1">
+            <a:extLst>
+              <a:ext uri="{FF2B5EF4-FFF2-40B4-BE49-F238E27FC236}">
+                <a16:creationId xmlns:a16="http://schemas.microsoft.com/office/drawing/2014/main" id="{C12E552C-3B9A-9D6C-1253-7272EDD1C397}"/>
+              </a:ext>
+            </a:extLst>
+          </p:cNvPr>
+          <p:cNvSpPr txBox="1"/>
+          <p:nvPr/>
+        </p:nvSpPr>
+        <p:spPr>
+          <a:xfrm>
+            <a:off x="3321844" y="4677115"/>
+            <a:ext cx="8870156" cy="830997"/>
+          </a:xfrm>
+          <a:prstGeom prst="rect">
+            <a:avLst/>
+          </a:prstGeom>
+          <a:noFill/>
+        </p:spPr>
+        <p:txBody>
+          <a:bodyPr wrap="square">
+            <a:spAutoFit/>
+          </a:bodyPr>
+          <a:lstStyle/>
+          <a:p>
+            <a:pPr algn="r"/>
+            <a:r>
+              <a:rPr lang="en-US" sz="1600" dirty="0">
+                <a:solidFill>
+                  <a:schemeClr val="bg1"/>
+                </a:solidFill>
+              </a:rPr>
+              <a:t>Credits:</a:t>
+            </a:r>
+            <a:br>
+              <a:rPr lang="en-US" sz="1600" dirty="0">
+                <a:solidFill>
+                  <a:schemeClr val="bg1"/>
+                </a:solidFill>
+              </a:rPr>
+            </a:br>
+            <a:r>
+              <a:rPr lang="en-US" sz="1600" dirty="0">
+                <a:solidFill>
+                  <a:schemeClr val="bg1"/>
+                </a:solidFill>
+              </a:rPr>
+              <a:t>Based on the Slides from </a:t>
+            </a:r>
+            <a:r>
+              <a:rPr lang="en-US" sz="1600" dirty="0" err="1">
+                <a:solidFill>
+                  <a:schemeClr val="bg1"/>
+                </a:solidFill>
+              </a:rPr>
+              <a:t>Patanamon</a:t>
+            </a:r>
+            <a:r>
+              <a:rPr lang="en-US" sz="1600" dirty="0">
+                <a:solidFill>
+                  <a:schemeClr val="bg1"/>
+                </a:solidFill>
+              </a:rPr>
+              <a:t> (Pick) </a:t>
+            </a:r>
+            <a:r>
+              <a:rPr lang="en-US" sz="1600" dirty="0" err="1">
+                <a:solidFill>
+                  <a:schemeClr val="bg1"/>
+                </a:solidFill>
+              </a:rPr>
+              <a:t>Thongtanunam</a:t>
+            </a:r>
+            <a:endParaRPr lang="en-US" sz="1600" dirty="0">
+              <a:solidFill>
+                <a:schemeClr val="bg1"/>
+              </a:solidFill>
+            </a:endParaRPr>
+          </a:p>
+          <a:p>
+            <a:pPr algn="r"/>
+            <a:r>
+              <a:rPr lang="en-US" sz="1600" dirty="0" err="1">
+                <a:solidFill>
+                  <a:schemeClr val="bg1"/>
+                </a:solidFill>
+              </a:rPr>
+              <a:t>patanamon.t@unimelb.edu.au</a:t>
+            </a:r>
+            <a:endParaRPr lang="en-US" sz="1600" dirty="0">
+              <a:solidFill>
+                <a:schemeClr val="bg1"/>
+              </a:solidFill>
+            </a:endParaRPr>
           </a:p>
         </p:txBody>
       </p:sp>
@@ -39571,6 +39682,1921 @@
     <p:extLst>
       <p:ext uri="{BB962C8B-B14F-4D97-AF65-F5344CB8AC3E}">
         <p14:creationId xmlns:p14="http://schemas.microsoft.com/office/powerpoint/2010/main" val="2527445523"/>
+      </p:ext>
+    </p:extLst>
+  </p:cSld>
+  <p:clrMapOvr>
+    <a:masterClrMapping/>
+  </p:clrMapOvr>
+</p:sld>
+</file>
+
+<file path=ppt/slides/slide22.xml><?xml version="1.0" encoding="utf-8"?>
+<p:sld xmlns:a="http://schemas.openxmlformats.org/drawingml/2006/main" xmlns:r="http://schemas.openxmlformats.org/officeDocument/2006/relationships" xmlns:p="http://schemas.openxmlformats.org/presentationml/2006/main">
+  <p:cSld>
+    <p:spTree>
+      <p:nvGrpSpPr>
+        <p:cNvPr id="1" name=""/>
+        <p:cNvGrpSpPr/>
+        <p:nvPr/>
+      </p:nvGrpSpPr>
+      <p:grpSpPr>
+        <a:xfrm>
+          <a:off x="0" y="0"/>
+          <a:ext cx="0" cy="0"/>
+          <a:chOff x="0" y="0"/>
+          <a:chExt cx="0" cy="0"/>
+        </a:xfrm>
+      </p:grpSpPr>
+      <p:sp>
+        <p:nvSpPr>
+          <p:cNvPr id="2" name="Content Placeholder 1">
+            <a:extLst>
+              <a:ext uri="{FF2B5EF4-FFF2-40B4-BE49-F238E27FC236}">
+                <a16:creationId xmlns:a16="http://schemas.microsoft.com/office/drawing/2014/main" id="{D7802702-10A9-618F-FF99-9D65764D36A3}"/>
+              </a:ext>
+            </a:extLst>
+          </p:cNvPr>
+          <p:cNvSpPr>
+            <a:spLocks noGrp="1"/>
+          </p:cNvSpPr>
+          <p:nvPr>
+            <p:ph idx="1"/>
+          </p:nvPr>
+        </p:nvSpPr>
+        <p:spPr>
+          <a:xfrm>
+            <a:off x="0" y="0"/>
+            <a:ext cx="12192000" cy="6858000"/>
+          </a:xfrm>
+          <a:solidFill>
+            <a:schemeClr val="bg1"/>
+          </a:solidFill>
+        </p:spPr>
+        <p:txBody>
+          <a:bodyPr>
+            <a:normAutofit fontScale="62500" lnSpcReduction="20000"/>
+          </a:bodyPr>
+          <a:lstStyle/>
+          <a:p>
+            <a:pPr marL="0" indent="0">
+              <a:buNone/>
+            </a:pPr>
+            <a:br>
+              <a:rPr lang="en-US" dirty="0">
+                <a:solidFill>
+                  <a:srgbClr val="FF0000"/>
+                </a:solidFill>
+                <a:latin typeface="Courier" pitchFamily="2" charset="0"/>
+              </a:rPr>
+            </a:br>
+            <a:br>
+              <a:rPr lang="en-US" dirty="0">
+                <a:solidFill>
+                  <a:srgbClr val="FF0000"/>
+                </a:solidFill>
+                <a:latin typeface="Courier" pitchFamily="2" charset="0"/>
+              </a:rPr>
+            </a:br>
+            <a:r>
+              <a:rPr lang="en-US" dirty="0">
+                <a:solidFill>
+                  <a:srgbClr val="FF0000"/>
+                </a:solidFill>
+                <a:latin typeface="Courier" pitchFamily="2" charset="0"/>
+              </a:rPr>
+              <a:t>public static</a:t>
+            </a:r>
+            <a:r>
+              <a:rPr lang="en-US" dirty="0">
+                <a:latin typeface="Courier" pitchFamily="2" charset="0"/>
+              </a:rPr>
+              <a:t> </a:t>
+            </a:r>
+            <a:r>
+              <a:rPr lang="en-US" i="1" dirty="0">
+                <a:solidFill>
+                  <a:srgbClr val="00B050"/>
+                </a:solidFill>
+                <a:latin typeface="Courier" pitchFamily="2" charset="0"/>
+              </a:rPr>
+              <a:t>int</a:t>
+            </a:r>
+            <a:r>
+              <a:rPr lang="en-US" dirty="0">
+                <a:latin typeface="Courier" pitchFamily="2" charset="0"/>
+              </a:rPr>
+              <a:t> </a:t>
+            </a:r>
+            <a:r>
+              <a:rPr lang="en-US" dirty="0" err="1">
+                <a:latin typeface="Courier" pitchFamily="2" charset="0"/>
+              </a:rPr>
+              <a:t>dayOfYear</a:t>
+            </a:r>
+            <a:r>
+              <a:rPr lang="en-US" dirty="0">
+                <a:latin typeface="Courier" pitchFamily="2" charset="0"/>
+              </a:rPr>
+              <a:t>(</a:t>
+            </a:r>
+            <a:r>
+              <a:rPr lang="en-US" i="1" dirty="0">
+                <a:solidFill>
+                  <a:srgbClr val="00B050"/>
+                </a:solidFill>
+                <a:latin typeface="Courier" pitchFamily="2" charset="0"/>
+              </a:rPr>
+              <a:t>int</a:t>
+            </a:r>
+            <a:r>
+              <a:rPr lang="en-US" dirty="0">
+                <a:latin typeface="Courier" pitchFamily="2" charset="0"/>
+              </a:rPr>
+              <a:t> </a:t>
+            </a:r>
+            <a:r>
+              <a:rPr lang="en-US" dirty="0">
+                <a:solidFill>
+                  <a:schemeClr val="tx2">
+                    <a:lumMod val="75000"/>
+                  </a:schemeClr>
+                </a:solidFill>
+                <a:latin typeface="Courier" pitchFamily="2" charset="0"/>
+              </a:rPr>
+              <a:t>month</a:t>
+            </a:r>
+            <a:r>
+              <a:rPr lang="en-US" dirty="0">
+                <a:latin typeface="Courier" pitchFamily="2" charset="0"/>
+              </a:rPr>
+              <a:t>, </a:t>
+            </a:r>
+            <a:r>
+              <a:rPr lang="en-US" i="1" dirty="0">
+                <a:solidFill>
+                  <a:srgbClr val="00B050"/>
+                </a:solidFill>
+                <a:latin typeface="Courier" pitchFamily="2" charset="0"/>
+              </a:rPr>
+              <a:t>int</a:t>
+            </a:r>
+            <a:r>
+              <a:rPr lang="en-US" dirty="0">
+                <a:latin typeface="Courier" pitchFamily="2" charset="0"/>
+              </a:rPr>
+              <a:t> </a:t>
+            </a:r>
+            <a:r>
+              <a:rPr lang="en-US" dirty="0" err="1">
+                <a:solidFill>
+                  <a:schemeClr val="tx2">
+                    <a:lumMod val="75000"/>
+                  </a:schemeClr>
+                </a:solidFill>
+                <a:latin typeface="Courier" pitchFamily="2" charset="0"/>
+              </a:rPr>
+              <a:t>dayOfMonth</a:t>
+            </a:r>
+            <a:r>
+              <a:rPr lang="en-US" dirty="0">
+                <a:latin typeface="Courier" pitchFamily="2" charset="0"/>
+              </a:rPr>
+              <a:t>, </a:t>
+            </a:r>
+            <a:r>
+              <a:rPr lang="en-US" i="1" dirty="0">
+                <a:solidFill>
+                  <a:srgbClr val="00B050"/>
+                </a:solidFill>
+                <a:latin typeface="Courier" pitchFamily="2" charset="0"/>
+              </a:rPr>
+              <a:t>int</a:t>
+            </a:r>
+            <a:r>
+              <a:rPr lang="en-US" dirty="0">
+                <a:latin typeface="Courier" pitchFamily="2" charset="0"/>
+              </a:rPr>
+              <a:t> </a:t>
+            </a:r>
+            <a:r>
+              <a:rPr lang="en-US" dirty="0">
+                <a:solidFill>
+                  <a:schemeClr val="tx2">
+                    <a:lumMod val="75000"/>
+                  </a:schemeClr>
+                </a:solidFill>
+                <a:latin typeface="Courier" pitchFamily="2" charset="0"/>
+              </a:rPr>
+              <a:t>year</a:t>
+            </a:r>
+            <a:r>
+              <a:rPr lang="en-US" dirty="0">
+                <a:latin typeface="Courier" pitchFamily="2" charset="0"/>
+              </a:rPr>
+              <a:t>) {</a:t>
+            </a:r>
+          </a:p>
+          <a:p>
+            <a:pPr marL="0" indent="0">
+              <a:buNone/>
+            </a:pPr>
+            <a:r>
+              <a:rPr lang="en-US" dirty="0">
+                <a:latin typeface="Courier" pitchFamily="2" charset="0"/>
+              </a:rPr>
+              <a:t>    </a:t>
+            </a:r>
+            <a:r>
+              <a:rPr lang="en-US" dirty="0">
+                <a:solidFill>
+                  <a:srgbClr val="00B050"/>
+                </a:solidFill>
+                <a:latin typeface="Courier" pitchFamily="2" charset="0"/>
+              </a:rPr>
+              <a:t>if</a:t>
+            </a:r>
+            <a:r>
+              <a:rPr lang="en-US" dirty="0">
+                <a:latin typeface="Courier" pitchFamily="2" charset="0"/>
+              </a:rPr>
+              <a:t> (month </a:t>
+            </a:r>
+            <a:r>
+              <a:rPr lang="en-US" dirty="0">
+                <a:solidFill>
+                  <a:srgbClr val="FF0000"/>
+                </a:solidFill>
+                <a:latin typeface="Courier" pitchFamily="2" charset="0"/>
+              </a:rPr>
+              <a:t>==</a:t>
+            </a:r>
+            <a:r>
+              <a:rPr lang="en-US" dirty="0">
+                <a:latin typeface="Courier" pitchFamily="2" charset="0"/>
+              </a:rPr>
+              <a:t> 2) {</a:t>
+            </a:r>
+          </a:p>
+          <a:p>
+            <a:pPr marL="0" indent="0">
+              <a:buNone/>
+            </a:pPr>
+            <a:r>
+              <a:rPr lang="en-US" dirty="0">
+                <a:latin typeface="Courier" pitchFamily="2" charset="0"/>
+              </a:rPr>
+              <a:t>        </a:t>
+            </a:r>
+            <a:r>
+              <a:rPr lang="en-US" dirty="0" err="1">
+                <a:latin typeface="Courier" pitchFamily="2" charset="0"/>
+              </a:rPr>
+              <a:t>dayOfMonth</a:t>
+            </a:r>
+            <a:r>
+              <a:rPr lang="en-US" dirty="0">
+                <a:latin typeface="Courier" pitchFamily="2" charset="0"/>
+              </a:rPr>
+              <a:t> </a:t>
+            </a:r>
+            <a:r>
+              <a:rPr lang="en-US" dirty="0">
+                <a:solidFill>
+                  <a:srgbClr val="FF0000"/>
+                </a:solidFill>
+                <a:latin typeface="Courier" pitchFamily="2" charset="0"/>
+              </a:rPr>
+              <a:t>+=</a:t>
+            </a:r>
+            <a:r>
+              <a:rPr lang="en-US" dirty="0">
+                <a:latin typeface="Courier" pitchFamily="2" charset="0"/>
+              </a:rPr>
+              <a:t> 31;</a:t>
+            </a:r>
+          </a:p>
+          <a:p>
+            <a:pPr marL="0" indent="0">
+              <a:buNone/>
+            </a:pPr>
+            <a:r>
+              <a:rPr lang="en-US" dirty="0">
+                <a:latin typeface="Courier" pitchFamily="2" charset="0"/>
+              </a:rPr>
+              <a:t>    } </a:t>
+            </a:r>
+            <a:r>
+              <a:rPr lang="en-US" dirty="0">
+                <a:solidFill>
+                  <a:srgbClr val="00B050"/>
+                </a:solidFill>
+                <a:latin typeface="Courier" pitchFamily="2" charset="0"/>
+              </a:rPr>
+              <a:t>else if </a:t>
+            </a:r>
+            <a:r>
+              <a:rPr lang="en-US" dirty="0">
+                <a:latin typeface="Courier" pitchFamily="2" charset="0"/>
+              </a:rPr>
+              <a:t>(month == 3) {</a:t>
+            </a:r>
+          </a:p>
+          <a:p>
+            <a:pPr marL="0" indent="0">
+              <a:buNone/>
+            </a:pPr>
+            <a:r>
+              <a:rPr lang="en-US" dirty="0">
+                <a:latin typeface="Courier" pitchFamily="2" charset="0"/>
+              </a:rPr>
+              <a:t>        </a:t>
+            </a:r>
+            <a:r>
+              <a:rPr lang="en-US" dirty="0" err="1">
+                <a:latin typeface="Courier" pitchFamily="2" charset="0"/>
+              </a:rPr>
+              <a:t>dayOfMonth</a:t>
+            </a:r>
+            <a:r>
+              <a:rPr lang="en-US" dirty="0">
+                <a:latin typeface="Courier" pitchFamily="2" charset="0"/>
+              </a:rPr>
+              <a:t> </a:t>
+            </a:r>
+            <a:r>
+              <a:rPr lang="en-US" dirty="0">
+                <a:solidFill>
+                  <a:srgbClr val="FF0000"/>
+                </a:solidFill>
+                <a:latin typeface="Courier" pitchFamily="2" charset="0"/>
+              </a:rPr>
+              <a:t>+=</a:t>
+            </a:r>
+            <a:r>
+              <a:rPr lang="en-US" dirty="0">
+                <a:latin typeface="Courier" pitchFamily="2" charset="0"/>
+              </a:rPr>
+              <a:t> 59;</a:t>
+            </a:r>
+          </a:p>
+          <a:p>
+            <a:pPr marL="0" indent="0">
+              <a:buNone/>
+            </a:pPr>
+            <a:r>
+              <a:rPr lang="en-US" dirty="0">
+                <a:latin typeface="Courier" pitchFamily="2" charset="0"/>
+              </a:rPr>
+              <a:t>    } </a:t>
+            </a:r>
+            <a:r>
+              <a:rPr lang="en-US" dirty="0">
+                <a:solidFill>
+                  <a:srgbClr val="00B050"/>
+                </a:solidFill>
+                <a:latin typeface="Courier" pitchFamily="2" charset="0"/>
+              </a:rPr>
+              <a:t>else if </a:t>
+            </a:r>
+            <a:r>
+              <a:rPr lang="en-US" dirty="0">
+                <a:latin typeface="Courier" pitchFamily="2" charset="0"/>
+              </a:rPr>
+              <a:t>(month </a:t>
+            </a:r>
+            <a:r>
+              <a:rPr lang="en-US" dirty="0">
+                <a:solidFill>
+                  <a:srgbClr val="FF0000"/>
+                </a:solidFill>
+                <a:latin typeface="Courier" pitchFamily="2" charset="0"/>
+              </a:rPr>
+              <a:t>==</a:t>
+            </a:r>
+            <a:r>
+              <a:rPr lang="en-US" dirty="0">
+                <a:latin typeface="Courier" pitchFamily="2" charset="0"/>
+              </a:rPr>
+              <a:t> 4) {</a:t>
+            </a:r>
+          </a:p>
+          <a:p>
+            <a:pPr marL="0" indent="0">
+              <a:buNone/>
+            </a:pPr>
+            <a:r>
+              <a:rPr lang="en-US" dirty="0">
+                <a:latin typeface="Courier" pitchFamily="2" charset="0"/>
+              </a:rPr>
+              <a:t>        </a:t>
+            </a:r>
+            <a:r>
+              <a:rPr lang="en-US" dirty="0" err="1">
+                <a:latin typeface="Courier" pitchFamily="2" charset="0"/>
+              </a:rPr>
+              <a:t>dayOfMonth</a:t>
+            </a:r>
+            <a:r>
+              <a:rPr lang="en-US" dirty="0">
+                <a:latin typeface="Courier" pitchFamily="2" charset="0"/>
+              </a:rPr>
+              <a:t> </a:t>
+            </a:r>
+            <a:r>
+              <a:rPr lang="en-US" dirty="0">
+                <a:solidFill>
+                  <a:srgbClr val="FF0000"/>
+                </a:solidFill>
+                <a:latin typeface="Courier" pitchFamily="2" charset="0"/>
+              </a:rPr>
+              <a:t>+=</a:t>
+            </a:r>
+            <a:r>
+              <a:rPr lang="en-US" dirty="0">
+                <a:latin typeface="Courier" pitchFamily="2" charset="0"/>
+              </a:rPr>
+              <a:t> 90;</a:t>
+            </a:r>
+          </a:p>
+          <a:p>
+            <a:pPr marL="0" indent="0">
+              <a:buNone/>
+            </a:pPr>
+            <a:r>
+              <a:rPr lang="en-US" dirty="0">
+                <a:latin typeface="Courier" pitchFamily="2" charset="0"/>
+              </a:rPr>
+              <a:t>    } </a:t>
+            </a:r>
+            <a:r>
+              <a:rPr lang="en-US" dirty="0">
+                <a:solidFill>
+                  <a:srgbClr val="00B050"/>
+                </a:solidFill>
+                <a:latin typeface="Courier" pitchFamily="2" charset="0"/>
+              </a:rPr>
+              <a:t>else if </a:t>
+            </a:r>
+            <a:r>
+              <a:rPr lang="en-US" dirty="0">
+                <a:latin typeface="Courier" pitchFamily="2" charset="0"/>
+              </a:rPr>
+              <a:t>(month </a:t>
+            </a:r>
+            <a:r>
+              <a:rPr lang="en-US" dirty="0">
+                <a:solidFill>
+                  <a:srgbClr val="FF0000"/>
+                </a:solidFill>
+                <a:latin typeface="Courier" pitchFamily="2" charset="0"/>
+              </a:rPr>
+              <a:t>==</a:t>
+            </a:r>
+            <a:r>
+              <a:rPr lang="en-US" dirty="0">
+                <a:latin typeface="Courier" pitchFamily="2" charset="0"/>
+              </a:rPr>
+              <a:t> 5) {</a:t>
+            </a:r>
+          </a:p>
+          <a:p>
+            <a:pPr marL="0" indent="0">
+              <a:buNone/>
+            </a:pPr>
+            <a:r>
+              <a:rPr lang="en-US" dirty="0">
+                <a:latin typeface="Courier" pitchFamily="2" charset="0"/>
+              </a:rPr>
+              <a:t>        </a:t>
+            </a:r>
+            <a:r>
+              <a:rPr lang="en-US" dirty="0" err="1">
+                <a:latin typeface="Courier" pitchFamily="2" charset="0"/>
+              </a:rPr>
+              <a:t>dayOfMonth</a:t>
+            </a:r>
+            <a:r>
+              <a:rPr lang="en-US" dirty="0">
+                <a:latin typeface="Courier" pitchFamily="2" charset="0"/>
+              </a:rPr>
+              <a:t> </a:t>
+            </a:r>
+            <a:r>
+              <a:rPr lang="en-US" dirty="0">
+                <a:solidFill>
+                  <a:srgbClr val="FF0000"/>
+                </a:solidFill>
+                <a:latin typeface="Courier" pitchFamily="2" charset="0"/>
+              </a:rPr>
+              <a:t>+=</a:t>
+            </a:r>
+            <a:r>
+              <a:rPr lang="en-US" dirty="0">
+                <a:latin typeface="Courier" pitchFamily="2" charset="0"/>
+              </a:rPr>
+              <a:t> 31 </a:t>
+            </a:r>
+            <a:r>
+              <a:rPr lang="en-US" dirty="0">
+                <a:solidFill>
+                  <a:srgbClr val="FF0000"/>
+                </a:solidFill>
+                <a:latin typeface="Courier" pitchFamily="2" charset="0"/>
+              </a:rPr>
+              <a:t>+</a:t>
+            </a:r>
+            <a:r>
+              <a:rPr lang="en-US" dirty="0">
+                <a:latin typeface="Courier" pitchFamily="2" charset="0"/>
+              </a:rPr>
+              <a:t> 28 </a:t>
+            </a:r>
+            <a:r>
+              <a:rPr lang="en-US" dirty="0">
+                <a:solidFill>
+                  <a:srgbClr val="FF0000"/>
+                </a:solidFill>
+                <a:latin typeface="Courier" pitchFamily="2" charset="0"/>
+              </a:rPr>
+              <a:t>+</a:t>
+            </a:r>
+            <a:r>
+              <a:rPr lang="en-US" dirty="0">
+                <a:latin typeface="Courier" pitchFamily="2" charset="0"/>
+              </a:rPr>
+              <a:t> 31 </a:t>
+            </a:r>
+            <a:r>
+              <a:rPr lang="en-US" dirty="0">
+                <a:solidFill>
+                  <a:srgbClr val="FF0000"/>
+                </a:solidFill>
+                <a:latin typeface="Courier" pitchFamily="2" charset="0"/>
+              </a:rPr>
+              <a:t>+</a:t>
+            </a:r>
+            <a:r>
+              <a:rPr lang="en-US" dirty="0">
+                <a:latin typeface="Courier" pitchFamily="2" charset="0"/>
+              </a:rPr>
+              <a:t> 30;</a:t>
+            </a:r>
+          </a:p>
+          <a:p>
+            <a:pPr marL="0" indent="0">
+              <a:buNone/>
+            </a:pPr>
+            <a:r>
+              <a:rPr lang="en-US" dirty="0">
+                <a:latin typeface="Courier" pitchFamily="2" charset="0"/>
+              </a:rPr>
+              <a:t>    } </a:t>
+            </a:r>
+            <a:r>
+              <a:rPr lang="en-US" dirty="0">
+                <a:solidFill>
+                  <a:srgbClr val="00B050"/>
+                </a:solidFill>
+                <a:latin typeface="Courier" pitchFamily="2" charset="0"/>
+              </a:rPr>
+              <a:t>else if </a:t>
+            </a:r>
+            <a:r>
+              <a:rPr lang="en-US" dirty="0">
+                <a:latin typeface="Courier" pitchFamily="2" charset="0"/>
+              </a:rPr>
+              <a:t>(month </a:t>
+            </a:r>
+            <a:r>
+              <a:rPr lang="en-US" dirty="0">
+                <a:solidFill>
+                  <a:srgbClr val="FF0000"/>
+                </a:solidFill>
+                <a:latin typeface="Courier" pitchFamily="2" charset="0"/>
+              </a:rPr>
+              <a:t>==</a:t>
+            </a:r>
+            <a:r>
+              <a:rPr lang="en-US" dirty="0">
+                <a:latin typeface="Courier" pitchFamily="2" charset="0"/>
+              </a:rPr>
+              <a:t> 6) {</a:t>
+            </a:r>
+          </a:p>
+          <a:p>
+            <a:pPr marL="0" indent="0">
+              <a:buNone/>
+            </a:pPr>
+            <a:r>
+              <a:rPr lang="en-US" dirty="0">
+                <a:latin typeface="Courier" pitchFamily="2" charset="0"/>
+              </a:rPr>
+              <a:t>        </a:t>
+            </a:r>
+            <a:r>
+              <a:rPr lang="en-US" dirty="0" err="1">
+                <a:latin typeface="Courier" pitchFamily="2" charset="0"/>
+              </a:rPr>
+              <a:t>dayOfMonth</a:t>
+            </a:r>
+            <a:r>
+              <a:rPr lang="en-US" dirty="0">
+                <a:latin typeface="Courier" pitchFamily="2" charset="0"/>
+              </a:rPr>
+              <a:t> </a:t>
+            </a:r>
+            <a:r>
+              <a:rPr lang="en-US" dirty="0">
+                <a:solidFill>
+                  <a:srgbClr val="FF0000"/>
+                </a:solidFill>
+                <a:latin typeface="Courier" pitchFamily="2" charset="0"/>
+              </a:rPr>
+              <a:t>+=</a:t>
+            </a:r>
+            <a:r>
+              <a:rPr lang="en-US" dirty="0">
+                <a:latin typeface="Courier" pitchFamily="2" charset="0"/>
+              </a:rPr>
+              <a:t> 31 </a:t>
+            </a:r>
+            <a:r>
+              <a:rPr lang="en-US" dirty="0">
+                <a:solidFill>
+                  <a:srgbClr val="FF0000"/>
+                </a:solidFill>
+                <a:latin typeface="Courier" pitchFamily="2" charset="0"/>
+              </a:rPr>
+              <a:t>+</a:t>
+            </a:r>
+            <a:r>
+              <a:rPr lang="en-US" dirty="0">
+                <a:latin typeface="Courier" pitchFamily="2" charset="0"/>
+              </a:rPr>
+              <a:t> 28 </a:t>
+            </a:r>
+            <a:r>
+              <a:rPr lang="en-US" dirty="0">
+                <a:solidFill>
+                  <a:srgbClr val="FF0000"/>
+                </a:solidFill>
+                <a:latin typeface="Courier" pitchFamily="2" charset="0"/>
+              </a:rPr>
+              <a:t>+</a:t>
+            </a:r>
+            <a:r>
+              <a:rPr lang="en-US" dirty="0">
+                <a:latin typeface="Courier" pitchFamily="2" charset="0"/>
+              </a:rPr>
+              <a:t> 31 </a:t>
+            </a:r>
+            <a:r>
+              <a:rPr lang="en-US" dirty="0">
+                <a:solidFill>
+                  <a:srgbClr val="FF0000"/>
+                </a:solidFill>
+                <a:latin typeface="Courier" pitchFamily="2" charset="0"/>
+              </a:rPr>
+              <a:t>+</a:t>
+            </a:r>
+            <a:r>
+              <a:rPr lang="en-US" dirty="0">
+                <a:latin typeface="Courier" pitchFamily="2" charset="0"/>
+              </a:rPr>
+              <a:t> 30 </a:t>
+            </a:r>
+            <a:r>
+              <a:rPr lang="en-US" dirty="0">
+                <a:solidFill>
+                  <a:srgbClr val="FF0000"/>
+                </a:solidFill>
+                <a:latin typeface="Courier" pitchFamily="2" charset="0"/>
+              </a:rPr>
+              <a:t>+</a:t>
+            </a:r>
+            <a:r>
+              <a:rPr lang="en-US" dirty="0">
+                <a:latin typeface="Courier" pitchFamily="2" charset="0"/>
+              </a:rPr>
+              <a:t> 31;</a:t>
+            </a:r>
+          </a:p>
+          <a:p>
+            <a:pPr marL="0" indent="0">
+              <a:buNone/>
+            </a:pPr>
+            <a:r>
+              <a:rPr lang="en-US" dirty="0">
+                <a:latin typeface="Courier" pitchFamily="2" charset="0"/>
+              </a:rPr>
+              <a:t>    } </a:t>
+            </a:r>
+            <a:r>
+              <a:rPr lang="en-US" dirty="0">
+                <a:solidFill>
+                  <a:srgbClr val="00B050"/>
+                </a:solidFill>
+                <a:latin typeface="Courier" pitchFamily="2" charset="0"/>
+              </a:rPr>
+              <a:t>else if </a:t>
+            </a:r>
+            <a:r>
+              <a:rPr lang="en-US" dirty="0">
+                <a:latin typeface="Courier" pitchFamily="2" charset="0"/>
+              </a:rPr>
+              <a:t>(month </a:t>
+            </a:r>
+            <a:r>
+              <a:rPr lang="en-US" dirty="0">
+                <a:solidFill>
+                  <a:srgbClr val="FF0000"/>
+                </a:solidFill>
+                <a:latin typeface="Courier" pitchFamily="2" charset="0"/>
+              </a:rPr>
+              <a:t>==</a:t>
+            </a:r>
+            <a:r>
+              <a:rPr lang="en-US" dirty="0">
+                <a:latin typeface="Courier" pitchFamily="2" charset="0"/>
+              </a:rPr>
+              <a:t> 7) {</a:t>
+            </a:r>
+          </a:p>
+          <a:p>
+            <a:pPr marL="0" indent="0">
+              <a:buNone/>
+            </a:pPr>
+            <a:r>
+              <a:rPr lang="en-US" dirty="0">
+                <a:latin typeface="Courier" pitchFamily="2" charset="0"/>
+              </a:rPr>
+              <a:t>        </a:t>
+            </a:r>
+            <a:r>
+              <a:rPr lang="en-US" dirty="0" err="1">
+                <a:latin typeface="Courier" pitchFamily="2" charset="0"/>
+              </a:rPr>
+              <a:t>dayOfMonth</a:t>
+            </a:r>
+            <a:r>
+              <a:rPr lang="en-US" dirty="0">
+                <a:latin typeface="Courier" pitchFamily="2" charset="0"/>
+              </a:rPr>
+              <a:t> </a:t>
+            </a:r>
+            <a:r>
+              <a:rPr lang="en-US" dirty="0">
+                <a:solidFill>
+                  <a:srgbClr val="FF0000"/>
+                </a:solidFill>
+                <a:latin typeface="Courier" pitchFamily="2" charset="0"/>
+              </a:rPr>
+              <a:t>+=</a:t>
+            </a:r>
+            <a:r>
+              <a:rPr lang="en-US" dirty="0">
+                <a:latin typeface="Courier" pitchFamily="2" charset="0"/>
+              </a:rPr>
+              <a:t> 31 </a:t>
+            </a:r>
+            <a:r>
+              <a:rPr lang="en-US" dirty="0">
+                <a:solidFill>
+                  <a:srgbClr val="FF0000"/>
+                </a:solidFill>
+                <a:latin typeface="Courier" pitchFamily="2" charset="0"/>
+              </a:rPr>
+              <a:t>+</a:t>
+            </a:r>
+            <a:r>
+              <a:rPr lang="en-US" dirty="0">
+                <a:latin typeface="Courier" pitchFamily="2" charset="0"/>
+              </a:rPr>
+              <a:t> 28 </a:t>
+            </a:r>
+            <a:r>
+              <a:rPr lang="en-US" dirty="0">
+                <a:solidFill>
+                  <a:srgbClr val="FF0000"/>
+                </a:solidFill>
+                <a:latin typeface="Courier" pitchFamily="2" charset="0"/>
+              </a:rPr>
+              <a:t>+</a:t>
+            </a:r>
+            <a:r>
+              <a:rPr lang="en-US" dirty="0">
+                <a:latin typeface="Courier" pitchFamily="2" charset="0"/>
+              </a:rPr>
+              <a:t> 31 </a:t>
+            </a:r>
+            <a:r>
+              <a:rPr lang="en-US" dirty="0">
+                <a:solidFill>
+                  <a:srgbClr val="FF0000"/>
+                </a:solidFill>
+                <a:latin typeface="Courier" pitchFamily="2" charset="0"/>
+              </a:rPr>
+              <a:t>+</a:t>
+            </a:r>
+            <a:r>
+              <a:rPr lang="en-US" dirty="0">
+                <a:latin typeface="Courier" pitchFamily="2" charset="0"/>
+              </a:rPr>
+              <a:t> 30 </a:t>
+            </a:r>
+            <a:r>
+              <a:rPr lang="en-US" dirty="0">
+                <a:solidFill>
+                  <a:srgbClr val="FF0000"/>
+                </a:solidFill>
+                <a:latin typeface="Courier" pitchFamily="2" charset="0"/>
+              </a:rPr>
+              <a:t>+</a:t>
+            </a:r>
+            <a:r>
+              <a:rPr lang="en-US" dirty="0">
+                <a:latin typeface="Courier" pitchFamily="2" charset="0"/>
+              </a:rPr>
+              <a:t> 31 </a:t>
+            </a:r>
+            <a:r>
+              <a:rPr lang="en-US" dirty="0">
+                <a:solidFill>
+                  <a:srgbClr val="FF0000"/>
+                </a:solidFill>
+                <a:latin typeface="Courier" pitchFamily="2" charset="0"/>
+              </a:rPr>
+              <a:t>+</a:t>
+            </a:r>
+            <a:r>
+              <a:rPr lang="en-US" dirty="0">
+                <a:latin typeface="Courier" pitchFamily="2" charset="0"/>
+              </a:rPr>
+              <a:t> 30;</a:t>
+            </a:r>
+          </a:p>
+          <a:p>
+            <a:pPr marL="0" indent="0">
+              <a:buNone/>
+            </a:pPr>
+            <a:r>
+              <a:rPr lang="en-US" dirty="0">
+                <a:latin typeface="Courier" pitchFamily="2" charset="0"/>
+              </a:rPr>
+              <a:t>    } </a:t>
+            </a:r>
+            <a:r>
+              <a:rPr lang="en-US" dirty="0">
+                <a:solidFill>
+                  <a:srgbClr val="00B050"/>
+                </a:solidFill>
+                <a:latin typeface="Courier" pitchFamily="2" charset="0"/>
+              </a:rPr>
+              <a:t>else if </a:t>
+            </a:r>
+            <a:r>
+              <a:rPr lang="en-US" dirty="0">
+                <a:latin typeface="Courier" pitchFamily="2" charset="0"/>
+              </a:rPr>
+              <a:t>(month </a:t>
+            </a:r>
+            <a:r>
+              <a:rPr lang="en-US" dirty="0">
+                <a:solidFill>
+                  <a:srgbClr val="FF0000"/>
+                </a:solidFill>
+                <a:latin typeface="Courier" pitchFamily="2" charset="0"/>
+              </a:rPr>
+              <a:t>==</a:t>
+            </a:r>
+            <a:r>
+              <a:rPr lang="en-US" dirty="0">
+                <a:latin typeface="Courier" pitchFamily="2" charset="0"/>
+              </a:rPr>
+              <a:t> 8) {</a:t>
+            </a:r>
+          </a:p>
+          <a:p>
+            <a:pPr marL="0" indent="0">
+              <a:buNone/>
+            </a:pPr>
+            <a:r>
+              <a:rPr lang="en-US" dirty="0">
+                <a:latin typeface="Courier" pitchFamily="2" charset="0"/>
+              </a:rPr>
+              <a:t>        </a:t>
+            </a:r>
+            <a:r>
+              <a:rPr lang="en-US" dirty="0" err="1">
+                <a:latin typeface="Courier" pitchFamily="2" charset="0"/>
+              </a:rPr>
+              <a:t>dayOfMonth</a:t>
+            </a:r>
+            <a:r>
+              <a:rPr lang="en-US" dirty="0">
+                <a:latin typeface="Courier" pitchFamily="2" charset="0"/>
+              </a:rPr>
+              <a:t> </a:t>
+            </a:r>
+            <a:r>
+              <a:rPr lang="en-US" dirty="0">
+                <a:solidFill>
+                  <a:srgbClr val="FF0000"/>
+                </a:solidFill>
+                <a:latin typeface="Courier" pitchFamily="2" charset="0"/>
+              </a:rPr>
+              <a:t>+=</a:t>
+            </a:r>
+            <a:r>
+              <a:rPr lang="en-US" dirty="0">
+                <a:latin typeface="Courier" pitchFamily="2" charset="0"/>
+              </a:rPr>
+              <a:t> 31 </a:t>
+            </a:r>
+            <a:r>
+              <a:rPr lang="en-US" dirty="0">
+                <a:solidFill>
+                  <a:srgbClr val="FF0000"/>
+                </a:solidFill>
+                <a:latin typeface="Courier" pitchFamily="2" charset="0"/>
+              </a:rPr>
+              <a:t>+</a:t>
+            </a:r>
+            <a:r>
+              <a:rPr lang="en-US" dirty="0">
+                <a:latin typeface="Courier" pitchFamily="2" charset="0"/>
+              </a:rPr>
+              <a:t> 28 </a:t>
+            </a:r>
+            <a:r>
+              <a:rPr lang="en-US" dirty="0">
+                <a:solidFill>
+                  <a:srgbClr val="FF0000"/>
+                </a:solidFill>
+                <a:latin typeface="Courier" pitchFamily="2" charset="0"/>
+              </a:rPr>
+              <a:t>+</a:t>
+            </a:r>
+            <a:r>
+              <a:rPr lang="en-US" dirty="0">
+                <a:latin typeface="Courier" pitchFamily="2" charset="0"/>
+              </a:rPr>
+              <a:t> 31 </a:t>
+            </a:r>
+            <a:r>
+              <a:rPr lang="en-US" dirty="0">
+                <a:solidFill>
+                  <a:srgbClr val="FF0000"/>
+                </a:solidFill>
+                <a:latin typeface="Courier" pitchFamily="2" charset="0"/>
+              </a:rPr>
+              <a:t>+</a:t>
+            </a:r>
+            <a:r>
+              <a:rPr lang="en-US" dirty="0">
+                <a:latin typeface="Courier" pitchFamily="2" charset="0"/>
+              </a:rPr>
+              <a:t> 30 </a:t>
+            </a:r>
+            <a:r>
+              <a:rPr lang="en-US" dirty="0">
+                <a:solidFill>
+                  <a:srgbClr val="FF0000"/>
+                </a:solidFill>
+                <a:latin typeface="Courier" pitchFamily="2" charset="0"/>
+              </a:rPr>
+              <a:t>+</a:t>
+            </a:r>
+            <a:r>
+              <a:rPr lang="en-US" dirty="0">
+                <a:latin typeface="Courier" pitchFamily="2" charset="0"/>
+              </a:rPr>
+              <a:t> 31 </a:t>
+            </a:r>
+            <a:r>
+              <a:rPr lang="en-US" dirty="0">
+                <a:solidFill>
+                  <a:srgbClr val="FF0000"/>
+                </a:solidFill>
+                <a:latin typeface="Courier" pitchFamily="2" charset="0"/>
+              </a:rPr>
+              <a:t>+</a:t>
+            </a:r>
+            <a:r>
+              <a:rPr lang="en-US" dirty="0">
+                <a:latin typeface="Courier" pitchFamily="2" charset="0"/>
+              </a:rPr>
+              <a:t> 30 </a:t>
+            </a:r>
+            <a:r>
+              <a:rPr lang="en-US" dirty="0">
+                <a:solidFill>
+                  <a:srgbClr val="FF0000"/>
+                </a:solidFill>
+                <a:latin typeface="Courier" pitchFamily="2" charset="0"/>
+              </a:rPr>
+              <a:t>+</a:t>
+            </a:r>
+            <a:r>
+              <a:rPr lang="en-US" dirty="0">
+                <a:latin typeface="Courier" pitchFamily="2" charset="0"/>
+              </a:rPr>
+              <a:t> 31;</a:t>
+            </a:r>
+          </a:p>
+          <a:p>
+            <a:pPr marL="0" indent="0">
+              <a:buNone/>
+            </a:pPr>
+            <a:r>
+              <a:rPr lang="en-US" dirty="0">
+                <a:latin typeface="Courier" pitchFamily="2" charset="0"/>
+              </a:rPr>
+              <a:t>    } </a:t>
+            </a:r>
+            <a:r>
+              <a:rPr lang="en-US" dirty="0">
+                <a:solidFill>
+                  <a:srgbClr val="00B050"/>
+                </a:solidFill>
+                <a:latin typeface="Courier" pitchFamily="2" charset="0"/>
+              </a:rPr>
+              <a:t>else if </a:t>
+            </a:r>
+            <a:r>
+              <a:rPr lang="en-US" dirty="0">
+                <a:latin typeface="Courier" pitchFamily="2" charset="0"/>
+              </a:rPr>
+              <a:t>(month </a:t>
+            </a:r>
+            <a:r>
+              <a:rPr lang="en-US" dirty="0">
+                <a:solidFill>
+                  <a:srgbClr val="FF0000"/>
+                </a:solidFill>
+                <a:latin typeface="Courier" pitchFamily="2" charset="0"/>
+              </a:rPr>
+              <a:t>==</a:t>
+            </a:r>
+            <a:r>
+              <a:rPr lang="en-US" dirty="0">
+                <a:latin typeface="Courier" pitchFamily="2" charset="0"/>
+              </a:rPr>
+              <a:t> 9) {</a:t>
+            </a:r>
+          </a:p>
+          <a:p>
+            <a:pPr marL="0" indent="0">
+              <a:buNone/>
+            </a:pPr>
+            <a:r>
+              <a:rPr lang="en-US" dirty="0">
+                <a:latin typeface="Courier" pitchFamily="2" charset="0"/>
+              </a:rPr>
+              <a:t>        </a:t>
+            </a:r>
+            <a:r>
+              <a:rPr lang="en-US" dirty="0" err="1">
+                <a:latin typeface="Courier" pitchFamily="2" charset="0"/>
+              </a:rPr>
+              <a:t>dayOfMonth</a:t>
+            </a:r>
+            <a:r>
+              <a:rPr lang="en-US" dirty="0">
+                <a:latin typeface="Courier" pitchFamily="2" charset="0"/>
+              </a:rPr>
+              <a:t> </a:t>
+            </a:r>
+            <a:r>
+              <a:rPr lang="en-US" dirty="0">
+                <a:solidFill>
+                  <a:srgbClr val="FF0000"/>
+                </a:solidFill>
+                <a:latin typeface="Courier" pitchFamily="2" charset="0"/>
+              </a:rPr>
+              <a:t>+=</a:t>
+            </a:r>
+            <a:r>
+              <a:rPr lang="en-US" dirty="0">
+                <a:latin typeface="Courier" pitchFamily="2" charset="0"/>
+              </a:rPr>
+              <a:t> 31 </a:t>
+            </a:r>
+            <a:r>
+              <a:rPr lang="en-US" dirty="0">
+                <a:solidFill>
+                  <a:srgbClr val="FF0000"/>
+                </a:solidFill>
+                <a:latin typeface="Courier" pitchFamily="2" charset="0"/>
+              </a:rPr>
+              <a:t>+</a:t>
+            </a:r>
+            <a:r>
+              <a:rPr lang="en-US" dirty="0">
+                <a:latin typeface="Courier" pitchFamily="2" charset="0"/>
+              </a:rPr>
+              <a:t> 28 </a:t>
+            </a:r>
+            <a:r>
+              <a:rPr lang="en-US" dirty="0">
+                <a:solidFill>
+                  <a:srgbClr val="FF0000"/>
+                </a:solidFill>
+                <a:latin typeface="Courier" pitchFamily="2" charset="0"/>
+              </a:rPr>
+              <a:t>+</a:t>
+            </a:r>
+            <a:r>
+              <a:rPr lang="en-US" dirty="0">
+                <a:latin typeface="Courier" pitchFamily="2" charset="0"/>
+              </a:rPr>
+              <a:t> 31 </a:t>
+            </a:r>
+            <a:r>
+              <a:rPr lang="en-US" dirty="0">
+                <a:solidFill>
+                  <a:srgbClr val="FF0000"/>
+                </a:solidFill>
+                <a:latin typeface="Courier" pitchFamily="2" charset="0"/>
+              </a:rPr>
+              <a:t>+</a:t>
+            </a:r>
+            <a:r>
+              <a:rPr lang="en-US" dirty="0">
+                <a:latin typeface="Courier" pitchFamily="2" charset="0"/>
+              </a:rPr>
+              <a:t> 30 </a:t>
+            </a:r>
+            <a:r>
+              <a:rPr lang="en-US" dirty="0">
+                <a:solidFill>
+                  <a:srgbClr val="FF0000"/>
+                </a:solidFill>
+                <a:latin typeface="Courier" pitchFamily="2" charset="0"/>
+              </a:rPr>
+              <a:t>+</a:t>
+            </a:r>
+            <a:r>
+              <a:rPr lang="en-US" dirty="0">
+                <a:latin typeface="Courier" pitchFamily="2" charset="0"/>
+              </a:rPr>
+              <a:t> 31 </a:t>
+            </a:r>
+            <a:r>
+              <a:rPr lang="en-US" dirty="0">
+                <a:solidFill>
+                  <a:srgbClr val="FF0000"/>
+                </a:solidFill>
+                <a:latin typeface="Courier" pitchFamily="2" charset="0"/>
+              </a:rPr>
+              <a:t>+</a:t>
+            </a:r>
+            <a:r>
+              <a:rPr lang="en-US" dirty="0">
+                <a:latin typeface="Courier" pitchFamily="2" charset="0"/>
+              </a:rPr>
+              <a:t> 30 </a:t>
+            </a:r>
+            <a:r>
+              <a:rPr lang="en-US" dirty="0">
+                <a:solidFill>
+                  <a:srgbClr val="FF0000"/>
+                </a:solidFill>
+                <a:latin typeface="Courier" pitchFamily="2" charset="0"/>
+              </a:rPr>
+              <a:t>+</a:t>
+            </a:r>
+            <a:r>
+              <a:rPr lang="en-US" dirty="0">
+                <a:latin typeface="Courier" pitchFamily="2" charset="0"/>
+              </a:rPr>
+              <a:t> 31 </a:t>
+            </a:r>
+            <a:r>
+              <a:rPr lang="en-US" dirty="0">
+                <a:solidFill>
+                  <a:srgbClr val="FF0000"/>
+                </a:solidFill>
+                <a:latin typeface="Courier" pitchFamily="2" charset="0"/>
+              </a:rPr>
+              <a:t>+</a:t>
+            </a:r>
+            <a:r>
+              <a:rPr lang="en-US" dirty="0">
+                <a:latin typeface="Courier" pitchFamily="2" charset="0"/>
+              </a:rPr>
+              <a:t> 31;</a:t>
+            </a:r>
+          </a:p>
+          <a:p>
+            <a:pPr marL="0" indent="0">
+              <a:buNone/>
+            </a:pPr>
+            <a:r>
+              <a:rPr lang="en-US" dirty="0">
+                <a:latin typeface="Courier" pitchFamily="2" charset="0"/>
+              </a:rPr>
+              <a:t>    } </a:t>
+            </a:r>
+            <a:r>
+              <a:rPr lang="en-US" dirty="0">
+                <a:solidFill>
+                  <a:srgbClr val="00B050"/>
+                </a:solidFill>
+                <a:latin typeface="Courier" pitchFamily="2" charset="0"/>
+              </a:rPr>
+              <a:t>else if </a:t>
+            </a:r>
+            <a:r>
+              <a:rPr lang="en-US" dirty="0">
+                <a:latin typeface="Courier" pitchFamily="2" charset="0"/>
+              </a:rPr>
+              <a:t>(month </a:t>
+            </a:r>
+            <a:r>
+              <a:rPr lang="en-US" dirty="0">
+                <a:solidFill>
+                  <a:srgbClr val="FF0000"/>
+                </a:solidFill>
+                <a:latin typeface="Courier" pitchFamily="2" charset="0"/>
+              </a:rPr>
+              <a:t>==</a:t>
+            </a:r>
+            <a:r>
+              <a:rPr lang="en-US" dirty="0">
+                <a:latin typeface="Courier" pitchFamily="2" charset="0"/>
+              </a:rPr>
+              <a:t> 10) {</a:t>
+            </a:r>
+          </a:p>
+          <a:p>
+            <a:pPr marL="0" indent="0">
+              <a:buNone/>
+            </a:pPr>
+            <a:r>
+              <a:rPr lang="en-US" dirty="0">
+                <a:latin typeface="Courier" pitchFamily="2" charset="0"/>
+              </a:rPr>
+              <a:t>        </a:t>
+            </a:r>
+            <a:r>
+              <a:rPr lang="en-US" dirty="0" err="1">
+                <a:latin typeface="Courier" pitchFamily="2" charset="0"/>
+              </a:rPr>
+              <a:t>dayOfMonth</a:t>
+            </a:r>
+            <a:r>
+              <a:rPr lang="en-US" dirty="0">
+                <a:latin typeface="Courier" pitchFamily="2" charset="0"/>
+              </a:rPr>
+              <a:t> </a:t>
+            </a:r>
+            <a:r>
+              <a:rPr lang="en-US" dirty="0">
+                <a:solidFill>
+                  <a:srgbClr val="FF0000"/>
+                </a:solidFill>
+                <a:latin typeface="Courier" pitchFamily="2" charset="0"/>
+              </a:rPr>
+              <a:t>+=</a:t>
+            </a:r>
+            <a:r>
+              <a:rPr lang="en-US" dirty="0">
+                <a:latin typeface="Courier" pitchFamily="2" charset="0"/>
+              </a:rPr>
+              <a:t> 31 </a:t>
+            </a:r>
+            <a:r>
+              <a:rPr lang="en-US" dirty="0">
+                <a:solidFill>
+                  <a:srgbClr val="FF0000"/>
+                </a:solidFill>
+                <a:latin typeface="Courier" pitchFamily="2" charset="0"/>
+              </a:rPr>
+              <a:t>+</a:t>
+            </a:r>
+            <a:r>
+              <a:rPr lang="en-US" dirty="0">
+                <a:latin typeface="Courier" pitchFamily="2" charset="0"/>
+              </a:rPr>
+              <a:t> 28 </a:t>
+            </a:r>
+            <a:r>
+              <a:rPr lang="en-US" dirty="0">
+                <a:solidFill>
+                  <a:srgbClr val="FF0000"/>
+                </a:solidFill>
+                <a:latin typeface="Courier" pitchFamily="2" charset="0"/>
+              </a:rPr>
+              <a:t>+</a:t>
+            </a:r>
+            <a:r>
+              <a:rPr lang="en-US" dirty="0">
+                <a:latin typeface="Courier" pitchFamily="2" charset="0"/>
+              </a:rPr>
+              <a:t> 31 </a:t>
+            </a:r>
+            <a:r>
+              <a:rPr lang="en-US" dirty="0">
+                <a:solidFill>
+                  <a:srgbClr val="FF0000"/>
+                </a:solidFill>
+                <a:latin typeface="Courier" pitchFamily="2" charset="0"/>
+              </a:rPr>
+              <a:t>+</a:t>
+            </a:r>
+            <a:r>
+              <a:rPr lang="en-US" dirty="0">
+                <a:latin typeface="Courier" pitchFamily="2" charset="0"/>
+              </a:rPr>
+              <a:t> 30 </a:t>
+            </a:r>
+            <a:r>
+              <a:rPr lang="en-US" dirty="0">
+                <a:solidFill>
+                  <a:srgbClr val="FF0000"/>
+                </a:solidFill>
+                <a:latin typeface="Courier" pitchFamily="2" charset="0"/>
+              </a:rPr>
+              <a:t>+</a:t>
+            </a:r>
+            <a:r>
+              <a:rPr lang="en-US" dirty="0">
+                <a:latin typeface="Courier" pitchFamily="2" charset="0"/>
+              </a:rPr>
+              <a:t> 31 </a:t>
+            </a:r>
+            <a:r>
+              <a:rPr lang="en-US" dirty="0">
+                <a:solidFill>
+                  <a:srgbClr val="FF0000"/>
+                </a:solidFill>
+                <a:latin typeface="Courier" pitchFamily="2" charset="0"/>
+              </a:rPr>
+              <a:t>+</a:t>
+            </a:r>
+            <a:r>
+              <a:rPr lang="en-US" dirty="0">
+                <a:latin typeface="Courier" pitchFamily="2" charset="0"/>
+              </a:rPr>
+              <a:t> 30 </a:t>
+            </a:r>
+            <a:r>
+              <a:rPr lang="en-US" dirty="0">
+                <a:solidFill>
+                  <a:srgbClr val="FF0000"/>
+                </a:solidFill>
+                <a:latin typeface="Courier" pitchFamily="2" charset="0"/>
+              </a:rPr>
+              <a:t>+</a:t>
+            </a:r>
+            <a:r>
+              <a:rPr lang="en-US" dirty="0">
+                <a:latin typeface="Courier" pitchFamily="2" charset="0"/>
+              </a:rPr>
+              <a:t> 31 </a:t>
+            </a:r>
+            <a:r>
+              <a:rPr lang="en-US" dirty="0">
+                <a:solidFill>
+                  <a:srgbClr val="FF0000"/>
+                </a:solidFill>
+                <a:latin typeface="Courier" pitchFamily="2" charset="0"/>
+              </a:rPr>
+              <a:t>+</a:t>
+            </a:r>
+            <a:r>
+              <a:rPr lang="en-US" dirty="0">
+                <a:latin typeface="Courier" pitchFamily="2" charset="0"/>
+              </a:rPr>
+              <a:t> 31 </a:t>
+            </a:r>
+            <a:r>
+              <a:rPr lang="en-US" dirty="0">
+                <a:solidFill>
+                  <a:srgbClr val="FF0000"/>
+                </a:solidFill>
+                <a:latin typeface="Courier" pitchFamily="2" charset="0"/>
+              </a:rPr>
+              <a:t>+</a:t>
+            </a:r>
+            <a:r>
+              <a:rPr lang="en-US" dirty="0">
+                <a:latin typeface="Courier" pitchFamily="2" charset="0"/>
+              </a:rPr>
+              <a:t> 30;</a:t>
+            </a:r>
+          </a:p>
+          <a:p>
+            <a:pPr marL="0" indent="0">
+              <a:buNone/>
+            </a:pPr>
+            <a:r>
+              <a:rPr lang="en-US" dirty="0">
+                <a:latin typeface="Courier" pitchFamily="2" charset="0"/>
+              </a:rPr>
+              <a:t>    } </a:t>
+            </a:r>
+            <a:r>
+              <a:rPr lang="en-US" dirty="0">
+                <a:solidFill>
+                  <a:srgbClr val="00B050"/>
+                </a:solidFill>
+                <a:latin typeface="Courier" pitchFamily="2" charset="0"/>
+              </a:rPr>
+              <a:t>else if </a:t>
+            </a:r>
+            <a:r>
+              <a:rPr lang="en-US" dirty="0">
+                <a:latin typeface="Courier" pitchFamily="2" charset="0"/>
+              </a:rPr>
+              <a:t>(month </a:t>
+            </a:r>
+            <a:r>
+              <a:rPr lang="en-US" dirty="0">
+                <a:solidFill>
+                  <a:srgbClr val="FF0000"/>
+                </a:solidFill>
+                <a:latin typeface="Courier" pitchFamily="2" charset="0"/>
+              </a:rPr>
+              <a:t>==</a:t>
+            </a:r>
+            <a:r>
+              <a:rPr lang="en-US" dirty="0">
+                <a:latin typeface="Courier" pitchFamily="2" charset="0"/>
+              </a:rPr>
+              <a:t> 11) {</a:t>
+            </a:r>
+          </a:p>
+          <a:p>
+            <a:pPr marL="0" indent="0">
+              <a:buNone/>
+            </a:pPr>
+            <a:r>
+              <a:rPr lang="en-US" dirty="0">
+                <a:latin typeface="Courier" pitchFamily="2" charset="0"/>
+              </a:rPr>
+              <a:t>        </a:t>
+            </a:r>
+            <a:r>
+              <a:rPr lang="en-US" dirty="0" err="1">
+                <a:latin typeface="Courier" pitchFamily="2" charset="0"/>
+              </a:rPr>
+              <a:t>dayOfMonth</a:t>
+            </a:r>
+            <a:r>
+              <a:rPr lang="en-US" dirty="0">
+                <a:latin typeface="Courier" pitchFamily="2" charset="0"/>
+              </a:rPr>
+              <a:t> </a:t>
+            </a:r>
+            <a:r>
+              <a:rPr lang="en-US" dirty="0">
+                <a:solidFill>
+                  <a:srgbClr val="FF0000"/>
+                </a:solidFill>
+                <a:latin typeface="Courier" pitchFamily="2" charset="0"/>
+              </a:rPr>
+              <a:t>+=</a:t>
+            </a:r>
+            <a:r>
+              <a:rPr lang="en-US" dirty="0">
+                <a:latin typeface="Courier" pitchFamily="2" charset="0"/>
+              </a:rPr>
+              <a:t> 31 </a:t>
+            </a:r>
+            <a:r>
+              <a:rPr lang="en-US" dirty="0">
+                <a:solidFill>
+                  <a:srgbClr val="FF0000"/>
+                </a:solidFill>
+                <a:latin typeface="Courier" pitchFamily="2" charset="0"/>
+              </a:rPr>
+              <a:t>+</a:t>
+            </a:r>
+            <a:r>
+              <a:rPr lang="en-US" dirty="0">
+                <a:latin typeface="Courier" pitchFamily="2" charset="0"/>
+              </a:rPr>
+              <a:t> 28 </a:t>
+            </a:r>
+            <a:r>
+              <a:rPr lang="en-US" dirty="0">
+                <a:solidFill>
+                  <a:srgbClr val="FF0000"/>
+                </a:solidFill>
+                <a:latin typeface="Courier" pitchFamily="2" charset="0"/>
+              </a:rPr>
+              <a:t>+</a:t>
+            </a:r>
+            <a:r>
+              <a:rPr lang="en-US" dirty="0">
+                <a:latin typeface="Courier" pitchFamily="2" charset="0"/>
+              </a:rPr>
+              <a:t> 31 </a:t>
+            </a:r>
+            <a:r>
+              <a:rPr lang="en-US" dirty="0">
+                <a:solidFill>
+                  <a:srgbClr val="FF0000"/>
+                </a:solidFill>
+                <a:latin typeface="Courier" pitchFamily="2" charset="0"/>
+              </a:rPr>
+              <a:t>+</a:t>
+            </a:r>
+            <a:r>
+              <a:rPr lang="en-US" dirty="0">
+                <a:latin typeface="Courier" pitchFamily="2" charset="0"/>
+              </a:rPr>
+              <a:t> 30 </a:t>
+            </a:r>
+            <a:r>
+              <a:rPr lang="en-US" dirty="0">
+                <a:solidFill>
+                  <a:srgbClr val="FF0000"/>
+                </a:solidFill>
+                <a:latin typeface="Courier" pitchFamily="2" charset="0"/>
+              </a:rPr>
+              <a:t>+</a:t>
+            </a:r>
+            <a:r>
+              <a:rPr lang="en-US" dirty="0">
+                <a:latin typeface="Courier" pitchFamily="2" charset="0"/>
+              </a:rPr>
+              <a:t> 31 </a:t>
+            </a:r>
+            <a:r>
+              <a:rPr lang="en-US" dirty="0">
+                <a:solidFill>
+                  <a:srgbClr val="FF0000"/>
+                </a:solidFill>
+                <a:latin typeface="Courier" pitchFamily="2" charset="0"/>
+              </a:rPr>
+              <a:t>+</a:t>
+            </a:r>
+            <a:r>
+              <a:rPr lang="en-US" dirty="0">
+                <a:latin typeface="Courier" pitchFamily="2" charset="0"/>
+              </a:rPr>
+              <a:t> 30 </a:t>
+            </a:r>
+            <a:r>
+              <a:rPr lang="en-US" dirty="0">
+                <a:solidFill>
+                  <a:srgbClr val="FF0000"/>
+                </a:solidFill>
+                <a:latin typeface="Courier" pitchFamily="2" charset="0"/>
+              </a:rPr>
+              <a:t>+</a:t>
+            </a:r>
+            <a:r>
+              <a:rPr lang="en-US" dirty="0">
+                <a:latin typeface="Courier" pitchFamily="2" charset="0"/>
+              </a:rPr>
+              <a:t> 31 </a:t>
+            </a:r>
+            <a:r>
+              <a:rPr lang="en-US" dirty="0">
+                <a:solidFill>
+                  <a:srgbClr val="FF0000"/>
+                </a:solidFill>
+                <a:latin typeface="Courier" pitchFamily="2" charset="0"/>
+              </a:rPr>
+              <a:t>+</a:t>
+            </a:r>
+            <a:r>
+              <a:rPr lang="en-US" dirty="0">
+                <a:latin typeface="Courier" pitchFamily="2" charset="0"/>
+              </a:rPr>
+              <a:t> 31 </a:t>
+            </a:r>
+            <a:r>
+              <a:rPr lang="en-US" dirty="0">
+                <a:solidFill>
+                  <a:srgbClr val="FF0000"/>
+                </a:solidFill>
+                <a:latin typeface="Courier" pitchFamily="2" charset="0"/>
+              </a:rPr>
+              <a:t>+</a:t>
+            </a:r>
+            <a:r>
+              <a:rPr lang="en-US" dirty="0">
+                <a:latin typeface="Courier" pitchFamily="2" charset="0"/>
+              </a:rPr>
+              <a:t> 30 </a:t>
+            </a:r>
+            <a:r>
+              <a:rPr lang="en-US" dirty="0">
+                <a:solidFill>
+                  <a:srgbClr val="FF0000"/>
+                </a:solidFill>
+                <a:latin typeface="Courier" pitchFamily="2" charset="0"/>
+              </a:rPr>
+              <a:t>+</a:t>
+            </a:r>
+            <a:r>
+              <a:rPr lang="en-US" dirty="0">
+                <a:latin typeface="Courier" pitchFamily="2" charset="0"/>
+              </a:rPr>
+              <a:t> 31;</a:t>
+            </a:r>
+          </a:p>
+          <a:p>
+            <a:pPr marL="0" indent="0">
+              <a:buNone/>
+            </a:pPr>
+            <a:r>
+              <a:rPr lang="en-US" dirty="0">
+                <a:latin typeface="Courier" pitchFamily="2" charset="0"/>
+              </a:rPr>
+              <a:t>    } </a:t>
+            </a:r>
+            <a:r>
+              <a:rPr lang="en-US" dirty="0">
+                <a:solidFill>
+                  <a:srgbClr val="00B050"/>
+                </a:solidFill>
+                <a:latin typeface="Courier" pitchFamily="2" charset="0"/>
+              </a:rPr>
+              <a:t>else if </a:t>
+            </a:r>
+            <a:r>
+              <a:rPr lang="en-US" dirty="0">
+                <a:latin typeface="Courier" pitchFamily="2" charset="0"/>
+              </a:rPr>
+              <a:t>(month </a:t>
+            </a:r>
+            <a:r>
+              <a:rPr lang="en-US" dirty="0">
+                <a:solidFill>
+                  <a:srgbClr val="FF0000"/>
+                </a:solidFill>
+                <a:latin typeface="Courier" pitchFamily="2" charset="0"/>
+              </a:rPr>
+              <a:t>==</a:t>
+            </a:r>
+            <a:r>
+              <a:rPr lang="en-US" dirty="0">
+                <a:latin typeface="Courier" pitchFamily="2" charset="0"/>
+              </a:rPr>
+              <a:t> 12) {</a:t>
+            </a:r>
+          </a:p>
+          <a:p>
+            <a:pPr marL="0" indent="0">
+              <a:buNone/>
+            </a:pPr>
+            <a:r>
+              <a:rPr lang="en-US" dirty="0">
+                <a:latin typeface="Courier" pitchFamily="2" charset="0"/>
+              </a:rPr>
+              <a:t>        </a:t>
+            </a:r>
+            <a:r>
+              <a:rPr lang="en-US" dirty="0" err="1">
+                <a:latin typeface="Courier" pitchFamily="2" charset="0"/>
+              </a:rPr>
+              <a:t>dayOfMonth</a:t>
+            </a:r>
+            <a:r>
+              <a:rPr lang="en-US" dirty="0">
+                <a:latin typeface="Courier" pitchFamily="2" charset="0"/>
+              </a:rPr>
+              <a:t> </a:t>
+            </a:r>
+            <a:r>
+              <a:rPr lang="en-US" dirty="0">
+                <a:solidFill>
+                  <a:srgbClr val="FF0000"/>
+                </a:solidFill>
+                <a:latin typeface="Courier" pitchFamily="2" charset="0"/>
+              </a:rPr>
+              <a:t>+=</a:t>
+            </a:r>
+            <a:r>
+              <a:rPr lang="en-US" dirty="0">
+                <a:latin typeface="Courier" pitchFamily="2" charset="0"/>
+              </a:rPr>
+              <a:t> 31 </a:t>
+            </a:r>
+            <a:r>
+              <a:rPr lang="en-US" dirty="0">
+                <a:solidFill>
+                  <a:srgbClr val="FF0000"/>
+                </a:solidFill>
+                <a:latin typeface="Courier" pitchFamily="2" charset="0"/>
+              </a:rPr>
+              <a:t>+</a:t>
+            </a:r>
+            <a:r>
+              <a:rPr lang="en-US" dirty="0">
+                <a:latin typeface="Courier" pitchFamily="2" charset="0"/>
+              </a:rPr>
+              <a:t> 28 </a:t>
+            </a:r>
+            <a:r>
+              <a:rPr lang="en-US" dirty="0">
+                <a:solidFill>
+                  <a:srgbClr val="FF0000"/>
+                </a:solidFill>
+                <a:latin typeface="Courier" pitchFamily="2" charset="0"/>
+              </a:rPr>
+              <a:t>+</a:t>
+            </a:r>
+            <a:r>
+              <a:rPr lang="en-US" dirty="0">
+                <a:latin typeface="Courier" pitchFamily="2" charset="0"/>
+              </a:rPr>
+              <a:t> 31 </a:t>
+            </a:r>
+            <a:r>
+              <a:rPr lang="en-US" dirty="0">
+                <a:solidFill>
+                  <a:srgbClr val="FF0000"/>
+                </a:solidFill>
+                <a:latin typeface="Courier" pitchFamily="2" charset="0"/>
+              </a:rPr>
+              <a:t>+</a:t>
+            </a:r>
+            <a:r>
+              <a:rPr lang="en-US" dirty="0">
+                <a:latin typeface="Courier" pitchFamily="2" charset="0"/>
+              </a:rPr>
+              <a:t> 30 </a:t>
+            </a:r>
+            <a:r>
+              <a:rPr lang="en-US" dirty="0">
+                <a:solidFill>
+                  <a:srgbClr val="FF0000"/>
+                </a:solidFill>
+                <a:latin typeface="Courier" pitchFamily="2" charset="0"/>
+              </a:rPr>
+              <a:t>+</a:t>
+            </a:r>
+            <a:r>
+              <a:rPr lang="en-US" dirty="0">
+                <a:latin typeface="Courier" pitchFamily="2" charset="0"/>
+              </a:rPr>
+              <a:t> 31 </a:t>
+            </a:r>
+            <a:r>
+              <a:rPr lang="en-US" dirty="0">
+                <a:solidFill>
+                  <a:srgbClr val="FF0000"/>
+                </a:solidFill>
+                <a:latin typeface="Courier" pitchFamily="2" charset="0"/>
+              </a:rPr>
+              <a:t>+</a:t>
+            </a:r>
+            <a:r>
+              <a:rPr lang="en-US" dirty="0">
+                <a:latin typeface="Courier" pitchFamily="2" charset="0"/>
+              </a:rPr>
+              <a:t> 30 </a:t>
+            </a:r>
+            <a:r>
+              <a:rPr lang="en-US" dirty="0">
+                <a:solidFill>
+                  <a:srgbClr val="FF0000"/>
+                </a:solidFill>
+                <a:latin typeface="Courier" pitchFamily="2" charset="0"/>
+              </a:rPr>
+              <a:t>+</a:t>
+            </a:r>
+            <a:r>
+              <a:rPr lang="en-US" dirty="0">
+                <a:latin typeface="Courier" pitchFamily="2" charset="0"/>
+              </a:rPr>
+              <a:t> 31 </a:t>
+            </a:r>
+            <a:r>
+              <a:rPr lang="en-US" dirty="0">
+                <a:solidFill>
+                  <a:srgbClr val="FF0000"/>
+                </a:solidFill>
+                <a:latin typeface="Courier" pitchFamily="2" charset="0"/>
+              </a:rPr>
+              <a:t>+</a:t>
+            </a:r>
+            <a:r>
+              <a:rPr lang="en-US" dirty="0">
+                <a:latin typeface="Courier" pitchFamily="2" charset="0"/>
+              </a:rPr>
+              <a:t> 31 </a:t>
+            </a:r>
+            <a:r>
+              <a:rPr lang="en-US" dirty="0">
+                <a:solidFill>
+                  <a:srgbClr val="FF0000"/>
+                </a:solidFill>
+                <a:latin typeface="Courier" pitchFamily="2" charset="0"/>
+              </a:rPr>
+              <a:t>+</a:t>
+            </a:r>
+            <a:r>
+              <a:rPr lang="en-US" dirty="0">
+                <a:latin typeface="Courier" pitchFamily="2" charset="0"/>
+              </a:rPr>
+              <a:t> 30 </a:t>
+            </a:r>
+            <a:r>
+              <a:rPr lang="en-US" dirty="0">
+                <a:solidFill>
+                  <a:srgbClr val="FF0000"/>
+                </a:solidFill>
+                <a:latin typeface="Courier" pitchFamily="2" charset="0"/>
+              </a:rPr>
+              <a:t>+</a:t>
+            </a:r>
+            <a:r>
+              <a:rPr lang="en-US" dirty="0">
+                <a:latin typeface="Courier" pitchFamily="2" charset="0"/>
+              </a:rPr>
+              <a:t> 31</a:t>
+            </a:r>
+            <a:r>
+              <a:rPr lang="en-US" dirty="0">
+                <a:solidFill>
+                  <a:srgbClr val="FF0000"/>
+                </a:solidFill>
+                <a:latin typeface="Courier" pitchFamily="2" charset="0"/>
+              </a:rPr>
+              <a:t> + </a:t>
+            </a:r>
+            <a:r>
+              <a:rPr lang="en-US" dirty="0">
+                <a:latin typeface="Courier" pitchFamily="2" charset="0"/>
+              </a:rPr>
+              <a:t>31;</a:t>
+            </a:r>
+          </a:p>
+          <a:p>
+            <a:pPr marL="0" indent="0">
+              <a:buNone/>
+            </a:pPr>
+            <a:r>
+              <a:rPr lang="en-US" dirty="0">
+                <a:latin typeface="Courier" pitchFamily="2" charset="0"/>
+              </a:rPr>
+              <a:t>    }</a:t>
+            </a:r>
+          </a:p>
+          <a:p>
+            <a:pPr marL="0" indent="0">
+              <a:buNone/>
+            </a:pPr>
+            <a:r>
+              <a:rPr lang="en-US" dirty="0">
+                <a:latin typeface="Courier" pitchFamily="2" charset="0"/>
+              </a:rPr>
+              <a:t>    </a:t>
+            </a:r>
+            <a:r>
+              <a:rPr lang="en-US" dirty="0">
+                <a:solidFill>
+                  <a:srgbClr val="00B050"/>
+                </a:solidFill>
+                <a:latin typeface="Courier" pitchFamily="2" charset="0"/>
+              </a:rPr>
+              <a:t>return</a:t>
+            </a:r>
+            <a:r>
+              <a:rPr lang="en-US" dirty="0">
+                <a:latin typeface="Courier" pitchFamily="2" charset="0"/>
+              </a:rPr>
+              <a:t> </a:t>
+            </a:r>
+            <a:r>
+              <a:rPr lang="en-US" dirty="0" err="1">
+                <a:latin typeface="Courier" pitchFamily="2" charset="0"/>
+              </a:rPr>
+              <a:t>dayOfMonth</a:t>
+            </a:r>
+            <a:r>
+              <a:rPr lang="en-US" dirty="0">
+                <a:latin typeface="Courier" pitchFamily="2" charset="0"/>
+              </a:rPr>
+              <a:t>;</a:t>
+            </a:r>
+          </a:p>
+          <a:p>
+            <a:pPr marL="0" indent="0">
+              <a:buNone/>
+            </a:pPr>
+            <a:r>
+              <a:rPr lang="en-US" dirty="0">
+                <a:latin typeface="Courier" pitchFamily="2" charset="0"/>
+              </a:rPr>
+              <a:t>}</a:t>
+            </a:r>
+          </a:p>
+        </p:txBody>
+      </p:sp>
+    </p:spTree>
+    <p:extLst>
+      <p:ext uri="{BB962C8B-B14F-4D97-AF65-F5344CB8AC3E}">
+        <p14:creationId xmlns:p14="http://schemas.microsoft.com/office/powerpoint/2010/main" val="2933475609"/>
       </p:ext>
     </p:extLst>
   </p:cSld>

--- a/notes/Lecture_03.pptx
+++ b/notes/Lecture_03.pptx
@@ -6,10 +6,10 @@
     <p:sldMasterId id="2147483801" r:id="rId2"/>
   </p:sldMasterIdLst>
   <p:notesMasterIdLst>
-    <p:notesMasterId r:id="rId25"/>
+    <p:notesMasterId r:id="rId26"/>
   </p:notesMasterIdLst>
   <p:handoutMasterIdLst>
-    <p:handoutMasterId r:id="rId26"/>
+    <p:handoutMasterId r:id="rId27"/>
   </p:handoutMasterIdLst>
   <p:sldIdLst>
     <p:sldId id="256" r:id="rId3"/>
@@ -24,16 +24,17 @@
     <p:sldId id="313" r:id="rId12"/>
     <p:sldId id="316" r:id="rId13"/>
     <p:sldId id="322" r:id="rId14"/>
-    <p:sldId id="317" r:id="rId15"/>
-    <p:sldId id="318" r:id="rId16"/>
-    <p:sldId id="300" r:id="rId17"/>
-    <p:sldId id="303" r:id="rId18"/>
-    <p:sldId id="304" r:id="rId19"/>
-    <p:sldId id="319" r:id="rId20"/>
-    <p:sldId id="320" r:id="rId21"/>
-    <p:sldId id="306" r:id="rId22"/>
-    <p:sldId id="305" r:id="rId23"/>
-    <p:sldId id="323" r:id="rId24"/>
+    <p:sldId id="324" r:id="rId15"/>
+    <p:sldId id="317" r:id="rId16"/>
+    <p:sldId id="318" r:id="rId17"/>
+    <p:sldId id="300" r:id="rId18"/>
+    <p:sldId id="303" r:id="rId19"/>
+    <p:sldId id="304" r:id="rId20"/>
+    <p:sldId id="319" r:id="rId21"/>
+    <p:sldId id="320" r:id="rId22"/>
+    <p:sldId id="306" r:id="rId23"/>
+    <p:sldId id="305" r:id="rId24"/>
+    <p:sldId id="323" r:id="rId25"/>
   </p:sldIdLst>
   <p:sldSz cx="12192000" cy="6858000"/>
   <p:notesSz cx="7010400" cy="9296400"/>
@@ -26069,7 +26070,7 @@
               <a:pPr>
                 <a:defRPr/>
               </a:pPr>
-              <a:t>11</a:t>
+              <a:t>10</a:t>
             </a:fld>
             <a:endParaRPr lang="en-US"/>
           </a:p>
@@ -26078,7 +26079,7 @@
     </p:spTree>
     <p:extLst>
       <p:ext uri="{BB962C8B-B14F-4D97-AF65-F5344CB8AC3E}">
-        <p14:creationId xmlns:p14="http://schemas.microsoft.com/office/powerpoint/2010/main" val="2673110106"/>
+        <p14:creationId xmlns:p14="http://schemas.microsoft.com/office/powerpoint/2010/main" val="773838267"/>
       </p:ext>
     </p:extLst>
   </p:cSld>
@@ -26089,107 +26090,6 @@
 </file>
 
 <file path=ppt/notesSlides/notesSlide11.xml><?xml version="1.0" encoding="utf-8"?>
-<p:notes xmlns:a="http://schemas.openxmlformats.org/drawingml/2006/main" xmlns:r="http://schemas.openxmlformats.org/officeDocument/2006/relationships" xmlns:p="http://schemas.openxmlformats.org/presentationml/2006/main">
-  <p:cSld>
-    <p:spTree>
-      <p:nvGrpSpPr>
-        <p:cNvPr id="1" name=""/>
-        <p:cNvGrpSpPr/>
-        <p:nvPr/>
-      </p:nvGrpSpPr>
-      <p:grpSpPr>
-        <a:xfrm>
-          <a:off x="0" y="0"/>
-          <a:ext cx="0" cy="0"/>
-          <a:chOff x="0" y="0"/>
-          <a:chExt cx="0" cy="0"/>
-        </a:xfrm>
-      </p:grpSpPr>
-      <p:sp>
-        <p:nvSpPr>
-          <p:cNvPr id="2" name="Slide Image Placeholder 1"/>
-          <p:cNvSpPr>
-            <a:spLocks noGrp="1" noRot="1" noChangeAspect="1"/>
-          </p:cNvSpPr>
-          <p:nvPr>
-            <p:ph type="sldImg"/>
-          </p:nvPr>
-        </p:nvSpPr>
-        <p:spPr/>
-      </p:sp>
-      <p:sp>
-        <p:nvSpPr>
-          <p:cNvPr id="3" name="Notes Placeholder 2"/>
-          <p:cNvSpPr>
-            <a:spLocks noGrp="1"/>
-          </p:cNvSpPr>
-          <p:nvPr>
-            <p:ph type="body" idx="1"/>
-          </p:nvPr>
-        </p:nvSpPr>
-        <p:spPr/>
-        <p:txBody>
-          <a:bodyPr/>
-          <a:lstStyle/>
-          <a:p>
-            <a:r>
-              <a:rPr lang="en-US"/>
-              <a:t>Do not modify the notes in this section to avoid tampering with the Poll Everywhere activity.
-More info at polleverywhere.com/support
-Where is the issue??</a:t>
-            </a:r>
-          </a:p>
-          <a:p>
-            <a:r>
-              <a:rPr lang="en-US"/>
-              <a:t>https://www.polleverywhere.com/clickable_images/HzIzh6iG4Wx64mvZ2ka7o</a:t>
-            </a:r>
-          </a:p>
-        </p:txBody>
-      </p:sp>
-      <p:sp>
-        <p:nvSpPr>
-          <p:cNvPr id="4" name="Slide Number Placeholder 3"/>
-          <p:cNvSpPr>
-            <a:spLocks noGrp="1"/>
-          </p:cNvSpPr>
-          <p:nvPr>
-            <p:ph type="sldNum" sz="quarter" idx="5"/>
-          </p:nvPr>
-        </p:nvSpPr>
-        <p:spPr/>
-        <p:txBody>
-          <a:bodyPr/>
-          <a:lstStyle/>
-          <a:p>
-            <a:pPr>
-              <a:defRPr/>
-            </a:pPr>
-            <a:fld id="{DB9721C8-080E-4AE7-89F7-915173249943}" type="slidenum">
-              <a:rPr lang="en-US" smtClean="0"/>
-              <a:pPr>
-                <a:defRPr/>
-              </a:pPr>
-              <a:t>12</a:t>
-            </a:fld>
-            <a:endParaRPr lang="en-US"/>
-          </a:p>
-        </p:txBody>
-      </p:sp>
-    </p:spTree>
-    <p:extLst>
-      <p:ext uri="{BB962C8B-B14F-4D97-AF65-F5344CB8AC3E}">
-        <p14:creationId xmlns:p14="http://schemas.microsoft.com/office/powerpoint/2010/main" val="2888896890"/>
-      </p:ext>
-    </p:extLst>
-  </p:cSld>
-  <p:clrMapOvr>
-    <a:masterClrMapping/>
-  </p:clrMapOvr>
-</p:notes>
-</file>
-
-<file path=ppt/notesSlides/notesSlide12.xml><?xml version="1.0" encoding="utf-8"?>
 <p:notes xmlns:a="http://schemas.openxmlformats.org/drawingml/2006/main" xmlns:r="http://schemas.openxmlformats.org/officeDocument/2006/relationships" xmlns:p="http://schemas.openxmlformats.org/presentationml/2006/main">
   <p:cSld>
     <p:spTree>
@@ -26260,7 +26160,7 @@
               <a:pPr>
                 <a:defRPr/>
               </a:pPr>
-              <a:t>13</a:t>
+              <a:t>11</a:t>
             </a:fld>
             <a:endParaRPr lang="en-US"/>
           </a:p>
@@ -26269,7 +26169,108 @@
     </p:spTree>
     <p:extLst>
       <p:ext uri="{BB962C8B-B14F-4D97-AF65-F5344CB8AC3E}">
-        <p14:creationId xmlns:p14="http://schemas.microsoft.com/office/powerpoint/2010/main" val="1608110356"/>
+        <p14:creationId xmlns:p14="http://schemas.microsoft.com/office/powerpoint/2010/main" val="2673110106"/>
+      </p:ext>
+    </p:extLst>
+  </p:cSld>
+  <p:clrMapOvr>
+    <a:masterClrMapping/>
+  </p:clrMapOvr>
+</p:notes>
+</file>
+
+<file path=ppt/notesSlides/notesSlide12.xml><?xml version="1.0" encoding="utf-8"?>
+<p:notes xmlns:a="http://schemas.openxmlformats.org/drawingml/2006/main" xmlns:r="http://schemas.openxmlformats.org/officeDocument/2006/relationships" xmlns:p="http://schemas.openxmlformats.org/presentationml/2006/main">
+  <p:cSld>
+    <p:spTree>
+      <p:nvGrpSpPr>
+        <p:cNvPr id="1" name=""/>
+        <p:cNvGrpSpPr/>
+        <p:nvPr/>
+      </p:nvGrpSpPr>
+      <p:grpSpPr>
+        <a:xfrm>
+          <a:off x="0" y="0"/>
+          <a:ext cx="0" cy="0"/>
+          <a:chOff x="0" y="0"/>
+          <a:chExt cx="0" cy="0"/>
+        </a:xfrm>
+      </p:grpSpPr>
+      <p:sp>
+        <p:nvSpPr>
+          <p:cNvPr id="2" name="Slide Image Placeholder 1"/>
+          <p:cNvSpPr>
+            <a:spLocks noGrp="1" noRot="1" noChangeAspect="1"/>
+          </p:cNvSpPr>
+          <p:nvPr>
+            <p:ph type="sldImg"/>
+          </p:nvPr>
+        </p:nvSpPr>
+        <p:spPr/>
+      </p:sp>
+      <p:sp>
+        <p:nvSpPr>
+          <p:cNvPr id="3" name="Notes Placeholder 2"/>
+          <p:cNvSpPr>
+            <a:spLocks noGrp="1"/>
+          </p:cNvSpPr>
+          <p:nvPr>
+            <p:ph type="body" idx="1"/>
+          </p:nvPr>
+        </p:nvSpPr>
+        <p:spPr/>
+        <p:txBody>
+          <a:bodyPr/>
+          <a:lstStyle/>
+          <a:p>
+            <a:r>
+              <a:rPr lang="en-US"/>
+              <a:t>Do not modify the notes in this section to avoid tampering with the Poll Everywhere activity.
+More info at polleverywhere.com/support
+Where is the issue??</a:t>
+            </a:r>
+          </a:p>
+          <a:p>
+            <a:r>
+              <a:rPr lang="en-US"/>
+              <a:t>https://www.polleverywhere.com/clickable_images/HzIzh6iG4Wx64mvZ2ka7o</a:t>
+            </a:r>
+          </a:p>
+        </p:txBody>
+      </p:sp>
+      <p:sp>
+        <p:nvSpPr>
+          <p:cNvPr id="4" name="Slide Number Placeholder 3"/>
+          <p:cNvSpPr>
+            <a:spLocks noGrp="1"/>
+          </p:cNvSpPr>
+          <p:nvPr>
+            <p:ph type="sldNum" sz="quarter" idx="5"/>
+          </p:nvPr>
+        </p:nvSpPr>
+        <p:spPr/>
+        <p:txBody>
+          <a:bodyPr/>
+          <a:lstStyle/>
+          <a:p>
+            <a:pPr>
+              <a:defRPr/>
+            </a:pPr>
+            <a:fld id="{DB9721C8-080E-4AE7-89F7-915173249943}" type="slidenum">
+              <a:rPr lang="en-US" smtClean="0"/>
+              <a:pPr>
+                <a:defRPr/>
+              </a:pPr>
+              <a:t>12</a:t>
+            </a:fld>
+            <a:endParaRPr lang="en-US"/>
+          </a:p>
+        </p:txBody>
+      </p:sp>
+    </p:spTree>
+    <p:extLst>
+      <p:ext uri="{BB962C8B-B14F-4D97-AF65-F5344CB8AC3E}">
+        <p14:creationId xmlns:p14="http://schemas.microsoft.com/office/powerpoint/2010/main" val="2888896890"/>
       </p:ext>
     </p:extLst>
   </p:cSld>
@@ -26323,7 +26324,18 @@
           <a:bodyPr/>
           <a:lstStyle/>
           <a:p>
-            <a:endParaRPr lang="en-US"/>
+            <a:r>
+              <a:rPr lang="en-US"/>
+              <a:t>Do not modify the notes in this section to avoid tampering with the Poll Everywhere activity.
+More info at polleverywhere.com/support
+Where is the issue??</a:t>
+            </a:r>
+          </a:p>
+          <a:p>
+            <a:r>
+              <a:rPr lang="en-US"/>
+              <a:t>https://www.polleverywhere.com/clickable_images/HzIzh6iG4Wx64mvZ2ka7o</a:t>
+            </a:r>
           </a:p>
         </p:txBody>
       </p:sp>
@@ -26350,7 +26362,7 @@
               <a:pPr>
                 <a:defRPr/>
               </a:pPr>
-              <a:t>14</a:t>
+              <a:t>13</a:t>
             </a:fld>
             <a:endParaRPr lang="en-US"/>
           </a:p>
@@ -26359,7 +26371,7 @@
     </p:spTree>
     <p:extLst>
       <p:ext uri="{BB962C8B-B14F-4D97-AF65-F5344CB8AC3E}">
-        <p14:creationId xmlns:p14="http://schemas.microsoft.com/office/powerpoint/2010/main" val="2523679196"/>
+        <p14:creationId xmlns:p14="http://schemas.microsoft.com/office/powerpoint/2010/main" val="392089421"/>
       </p:ext>
     </p:extLst>
   </p:cSld>
@@ -26440,7 +26452,7 @@
               <a:pPr>
                 <a:defRPr/>
               </a:pPr>
-              <a:t>15</a:t>
+              <a:t>14</a:t>
             </a:fld>
             <a:endParaRPr lang="en-US"/>
           </a:p>
@@ -26449,7 +26461,7 @@
     </p:spTree>
     <p:extLst>
       <p:ext uri="{BB962C8B-B14F-4D97-AF65-F5344CB8AC3E}">
-        <p14:creationId xmlns:p14="http://schemas.microsoft.com/office/powerpoint/2010/main" val="569137772"/>
+        <p14:creationId xmlns:p14="http://schemas.microsoft.com/office/powerpoint/2010/main" val="1608110356"/>
       </p:ext>
     </p:extLst>
   </p:cSld>
@@ -26530,7 +26542,7 @@
               <a:pPr>
                 <a:defRPr/>
               </a:pPr>
-              <a:t>16</a:t>
+              <a:t>15</a:t>
             </a:fld>
             <a:endParaRPr lang="en-US"/>
           </a:p>
@@ -26539,7 +26551,7 @@
     </p:spTree>
     <p:extLst>
       <p:ext uri="{BB962C8B-B14F-4D97-AF65-F5344CB8AC3E}">
-        <p14:creationId xmlns:p14="http://schemas.microsoft.com/office/powerpoint/2010/main" val="4090250312"/>
+        <p14:creationId xmlns:p14="http://schemas.microsoft.com/office/powerpoint/2010/main" val="2523679196"/>
       </p:ext>
     </p:extLst>
   </p:cSld>
@@ -26620,7 +26632,7 @@
               <a:pPr>
                 <a:defRPr/>
               </a:pPr>
-              <a:t>17</a:t>
+              <a:t>16</a:t>
             </a:fld>
             <a:endParaRPr lang="en-US"/>
           </a:p>
@@ -26629,7 +26641,7 @@
     </p:spTree>
     <p:extLst>
       <p:ext uri="{BB962C8B-B14F-4D97-AF65-F5344CB8AC3E}">
-        <p14:creationId xmlns:p14="http://schemas.microsoft.com/office/powerpoint/2010/main" val="4281459819"/>
+        <p14:creationId xmlns:p14="http://schemas.microsoft.com/office/powerpoint/2010/main" val="569137772"/>
       </p:ext>
     </p:extLst>
   </p:cSld>
@@ -26710,7 +26722,7 @@
               <a:pPr>
                 <a:defRPr/>
               </a:pPr>
-              <a:t>18</a:t>
+              <a:t>17</a:t>
             </a:fld>
             <a:endParaRPr lang="en-US"/>
           </a:p>
@@ -26719,7 +26731,7 @@
     </p:spTree>
     <p:extLst>
       <p:ext uri="{BB962C8B-B14F-4D97-AF65-F5344CB8AC3E}">
-        <p14:creationId xmlns:p14="http://schemas.microsoft.com/office/powerpoint/2010/main" val="2122591149"/>
+        <p14:creationId xmlns:p14="http://schemas.microsoft.com/office/powerpoint/2010/main" val="4090250312"/>
       </p:ext>
     </p:extLst>
   </p:cSld>
@@ -26800,7 +26812,7 @@
               <a:pPr>
                 <a:defRPr/>
               </a:pPr>
-              <a:t>19</a:t>
+              <a:t>18</a:t>
             </a:fld>
             <a:endParaRPr lang="en-US"/>
           </a:p>
@@ -26809,7 +26821,7 @@
     </p:spTree>
     <p:extLst>
       <p:ext uri="{BB962C8B-B14F-4D97-AF65-F5344CB8AC3E}">
-        <p14:creationId xmlns:p14="http://schemas.microsoft.com/office/powerpoint/2010/main" val="873473377"/>
+        <p14:creationId xmlns:p14="http://schemas.microsoft.com/office/powerpoint/2010/main" val="4281459819"/>
       </p:ext>
     </p:extLst>
   </p:cSld>
@@ -26890,7 +26902,277 @@
               <a:pPr>
                 <a:defRPr/>
               </a:pPr>
+              <a:t>19</a:t>
+            </a:fld>
+            <a:endParaRPr lang="en-US"/>
+          </a:p>
+        </p:txBody>
+      </p:sp>
+    </p:spTree>
+    <p:extLst>
+      <p:ext uri="{BB962C8B-B14F-4D97-AF65-F5344CB8AC3E}">
+        <p14:creationId xmlns:p14="http://schemas.microsoft.com/office/powerpoint/2010/main" val="2122591149"/>
+      </p:ext>
+    </p:extLst>
+  </p:cSld>
+  <p:clrMapOvr>
+    <a:masterClrMapping/>
+  </p:clrMapOvr>
+</p:notes>
+</file>
+
+<file path=ppt/notesSlides/notesSlide2.xml><?xml version="1.0" encoding="utf-8"?>
+<p:notes xmlns:a="http://schemas.openxmlformats.org/drawingml/2006/main" xmlns:r="http://schemas.openxmlformats.org/officeDocument/2006/relationships" xmlns:p="http://schemas.openxmlformats.org/presentationml/2006/main">
+  <p:cSld>
+    <p:spTree>
+      <p:nvGrpSpPr>
+        <p:cNvPr id="1" name=""/>
+        <p:cNvGrpSpPr/>
+        <p:nvPr/>
+      </p:nvGrpSpPr>
+      <p:grpSpPr>
+        <a:xfrm>
+          <a:off x="0" y="0"/>
+          <a:ext cx="0" cy="0"/>
+          <a:chOff x="0" y="0"/>
+          <a:chExt cx="0" cy="0"/>
+        </a:xfrm>
+      </p:grpSpPr>
+      <p:sp>
+        <p:nvSpPr>
+          <p:cNvPr id="2" name="Slide Image Placeholder 1"/>
+          <p:cNvSpPr>
+            <a:spLocks noGrp="1" noRot="1" noChangeAspect="1"/>
+          </p:cNvSpPr>
+          <p:nvPr>
+            <p:ph type="sldImg"/>
+          </p:nvPr>
+        </p:nvSpPr>
+        <p:spPr/>
+      </p:sp>
+      <p:sp>
+        <p:nvSpPr>
+          <p:cNvPr id="3" name="Notes Placeholder 2"/>
+          <p:cNvSpPr>
+            <a:spLocks noGrp="1"/>
+          </p:cNvSpPr>
+          <p:nvPr>
+            <p:ph type="body" idx="1"/>
+          </p:nvPr>
+        </p:nvSpPr>
+        <p:spPr/>
+        <p:txBody>
+          <a:bodyPr/>
+          <a:lstStyle/>
+          <a:p>
+            <a:endParaRPr lang="en-US"/>
+          </a:p>
+        </p:txBody>
+      </p:sp>
+      <p:sp>
+        <p:nvSpPr>
+          <p:cNvPr id="4" name="Slide Number Placeholder 3"/>
+          <p:cNvSpPr>
+            <a:spLocks noGrp="1"/>
+          </p:cNvSpPr>
+          <p:nvPr>
+            <p:ph type="sldNum" sz="quarter" idx="5"/>
+          </p:nvPr>
+        </p:nvSpPr>
+        <p:spPr/>
+        <p:txBody>
+          <a:bodyPr/>
+          <a:lstStyle/>
+          <a:p>
+            <a:pPr>
+              <a:defRPr/>
+            </a:pPr>
+            <a:fld id="{DB9721C8-080E-4AE7-89F7-915173249943}" type="slidenum">
+              <a:rPr lang="en-US" smtClean="0"/>
+              <a:pPr>
+                <a:defRPr/>
+              </a:pPr>
+              <a:t>2</a:t>
+            </a:fld>
+            <a:endParaRPr lang="en-US"/>
+          </a:p>
+        </p:txBody>
+      </p:sp>
+    </p:spTree>
+    <p:extLst>
+      <p:ext uri="{BB962C8B-B14F-4D97-AF65-F5344CB8AC3E}">
+        <p14:creationId xmlns:p14="http://schemas.microsoft.com/office/powerpoint/2010/main" val="183104008"/>
+      </p:ext>
+    </p:extLst>
+  </p:cSld>
+  <p:clrMapOvr>
+    <a:masterClrMapping/>
+  </p:clrMapOvr>
+</p:notes>
+</file>
+
+<file path=ppt/notesSlides/notesSlide20.xml><?xml version="1.0" encoding="utf-8"?>
+<p:notes xmlns:a="http://schemas.openxmlformats.org/drawingml/2006/main" xmlns:r="http://schemas.openxmlformats.org/officeDocument/2006/relationships" xmlns:p="http://schemas.openxmlformats.org/presentationml/2006/main">
+  <p:cSld>
+    <p:spTree>
+      <p:nvGrpSpPr>
+        <p:cNvPr id="1" name=""/>
+        <p:cNvGrpSpPr/>
+        <p:nvPr/>
+      </p:nvGrpSpPr>
+      <p:grpSpPr>
+        <a:xfrm>
+          <a:off x="0" y="0"/>
+          <a:ext cx="0" cy="0"/>
+          <a:chOff x="0" y="0"/>
+          <a:chExt cx="0" cy="0"/>
+        </a:xfrm>
+      </p:grpSpPr>
+      <p:sp>
+        <p:nvSpPr>
+          <p:cNvPr id="2" name="Slide Image Placeholder 1"/>
+          <p:cNvSpPr>
+            <a:spLocks noGrp="1" noRot="1" noChangeAspect="1"/>
+          </p:cNvSpPr>
+          <p:nvPr>
+            <p:ph type="sldImg"/>
+          </p:nvPr>
+        </p:nvSpPr>
+        <p:spPr/>
+      </p:sp>
+      <p:sp>
+        <p:nvSpPr>
+          <p:cNvPr id="3" name="Notes Placeholder 2"/>
+          <p:cNvSpPr>
+            <a:spLocks noGrp="1"/>
+          </p:cNvSpPr>
+          <p:nvPr>
+            <p:ph type="body" idx="1"/>
+          </p:nvPr>
+        </p:nvSpPr>
+        <p:spPr/>
+        <p:txBody>
+          <a:bodyPr/>
+          <a:lstStyle/>
+          <a:p>
+            <a:endParaRPr lang="en-US"/>
+          </a:p>
+        </p:txBody>
+      </p:sp>
+      <p:sp>
+        <p:nvSpPr>
+          <p:cNvPr id="4" name="Slide Number Placeholder 3"/>
+          <p:cNvSpPr>
+            <a:spLocks noGrp="1"/>
+          </p:cNvSpPr>
+          <p:nvPr>
+            <p:ph type="sldNum" sz="quarter" idx="5"/>
+          </p:nvPr>
+        </p:nvSpPr>
+        <p:spPr/>
+        <p:txBody>
+          <a:bodyPr/>
+          <a:lstStyle/>
+          <a:p>
+            <a:pPr>
+              <a:defRPr/>
+            </a:pPr>
+            <a:fld id="{DB9721C8-080E-4AE7-89F7-915173249943}" type="slidenum">
+              <a:rPr lang="en-US" smtClean="0"/>
+              <a:pPr>
+                <a:defRPr/>
+              </a:pPr>
               <a:t>20</a:t>
+            </a:fld>
+            <a:endParaRPr lang="en-US"/>
+          </a:p>
+        </p:txBody>
+      </p:sp>
+    </p:spTree>
+    <p:extLst>
+      <p:ext uri="{BB962C8B-B14F-4D97-AF65-F5344CB8AC3E}">
+        <p14:creationId xmlns:p14="http://schemas.microsoft.com/office/powerpoint/2010/main" val="873473377"/>
+      </p:ext>
+    </p:extLst>
+  </p:cSld>
+  <p:clrMapOvr>
+    <a:masterClrMapping/>
+  </p:clrMapOvr>
+</p:notes>
+</file>
+
+<file path=ppt/notesSlides/notesSlide21.xml><?xml version="1.0" encoding="utf-8"?>
+<p:notes xmlns:a="http://schemas.openxmlformats.org/drawingml/2006/main" xmlns:r="http://schemas.openxmlformats.org/officeDocument/2006/relationships" xmlns:p="http://schemas.openxmlformats.org/presentationml/2006/main">
+  <p:cSld>
+    <p:spTree>
+      <p:nvGrpSpPr>
+        <p:cNvPr id="1" name=""/>
+        <p:cNvGrpSpPr/>
+        <p:nvPr/>
+      </p:nvGrpSpPr>
+      <p:grpSpPr>
+        <a:xfrm>
+          <a:off x="0" y="0"/>
+          <a:ext cx="0" cy="0"/>
+          <a:chOff x="0" y="0"/>
+          <a:chExt cx="0" cy="0"/>
+        </a:xfrm>
+      </p:grpSpPr>
+      <p:sp>
+        <p:nvSpPr>
+          <p:cNvPr id="2" name="Slide Image Placeholder 1"/>
+          <p:cNvSpPr>
+            <a:spLocks noGrp="1" noRot="1" noChangeAspect="1"/>
+          </p:cNvSpPr>
+          <p:nvPr>
+            <p:ph type="sldImg"/>
+          </p:nvPr>
+        </p:nvSpPr>
+        <p:spPr/>
+      </p:sp>
+      <p:sp>
+        <p:nvSpPr>
+          <p:cNvPr id="3" name="Notes Placeholder 2"/>
+          <p:cNvSpPr>
+            <a:spLocks noGrp="1"/>
+          </p:cNvSpPr>
+          <p:nvPr>
+            <p:ph type="body" idx="1"/>
+          </p:nvPr>
+        </p:nvSpPr>
+        <p:spPr/>
+        <p:txBody>
+          <a:bodyPr/>
+          <a:lstStyle/>
+          <a:p>
+            <a:endParaRPr lang="en-US"/>
+          </a:p>
+        </p:txBody>
+      </p:sp>
+      <p:sp>
+        <p:nvSpPr>
+          <p:cNvPr id="4" name="Slide Number Placeholder 3"/>
+          <p:cNvSpPr>
+            <a:spLocks noGrp="1"/>
+          </p:cNvSpPr>
+          <p:nvPr>
+            <p:ph type="sldNum" sz="quarter" idx="5"/>
+          </p:nvPr>
+        </p:nvSpPr>
+        <p:spPr/>
+        <p:txBody>
+          <a:bodyPr/>
+          <a:lstStyle/>
+          <a:p>
+            <a:pPr>
+              <a:defRPr/>
+            </a:pPr>
+            <a:fld id="{DB9721C8-080E-4AE7-89F7-915173249943}" type="slidenum">
+              <a:rPr lang="en-US" smtClean="0"/>
+              <a:pPr>
+                <a:defRPr/>
+              </a:pPr>
+              <a:t>21</a:t>
             </a:fld>
             <a:endParaRPr lang="en-US"/>
           </a:p>
@@ -26909,7 +27191,187 @@
 </p:notes>
 </file>
 
-<file path=ppt/notesSlides/notesSlide2.xml><?xml version="1.0" encoding="utf-8"?>
+<file path=ppt/notesSlides/notesSlide22.xml><?xml version="1.0" encoding="utf-8"?>
+<p:notes xmlns:a="http://schemas.openxmlformats.org/drawingml/2006/main" xmlns:r="http://schemas.openxmlformats.org/officeDocument/2006/relationships" xmlns:p="http://schemas.openxmlformats.org/presentationml/2006/main">
+  <p:cSld>
+    <p:spTree>
+      <p:nvGrpSpPr>
+        <p:cNvPr id="1" name=""/>
+        <p:cNvGrpSpPr/>
+        <p:nvPr/>
+      </p:nvGrpSpPr>
+      <p:grpSpPr>
+        <a:xfrm>
+          <a:off x="0" y="0"/>
+          <a:ext cx="0" cy="0"/>
+          <a:chOff x="0" y="0"/>
+          <a:chExt cx="0" cy="0"/>
+        </a:xfrm>
+      </p:grpSpPr>
+      <p:sp>
+        <p:nvSpPr>
+          <p:cNvPr id="2" name="Slide Image Placeholder 1"/>
+          <p:cNvSpPr>
+            <a:spLocks noGrp="1" noRot="1" noChangeAspect="1"/>
+          </p:cNvSpPr>
+          <p:nvPr>
+            <p:ph type="sldImg"/>
+          </p:nvPr>
+        </p:nvSpPr>
+        <p:spPr/>
+      </p:sp>
+      <p:sp>
+        <p:nvSpPr>
+          <p:cNvPr id="3" name="Notes Placeholder 2"/>
+          <p:cNvSpPr>
+            <a:spLocks noGrp="1"/>
+          </p:cNvSpPr>
+          <p:nvPr>
+            <p:ph type="body" idx="1"/>
+          </p:nvPr>
+        </p:nvSpPr>
+        <p:spPr/>
+        <p:txBody>
+          <a:bodyPr/>
+          <a:lstStyle/>
+          <a:p>
+            <a:endParaRPr lang="en-US"/>
+          </a:p>
+        </p:txBody>
+      </p:sp>
+      <p:sp>
+        <p:nvSpPr>
+          <p:cNvPr id="4" name="Slide Number Placeholder 3"/>
+          <p:cNvSpPr>
+            <a:spLocks noGrp="1"/>
+          </p:cNvSpPr>
+          <p:nvPr>
+            <p:ph type="sldNum" sz="quarter" idx="5"/>
+          </p:nvPr>
+        </p:nvSpPr>
+        <p:spPr/>
+        <p:txBody>
+          <a:bodyPr/>
+          <a:lstStyle/>
+          <a:p>
+            <a:pPr>
+              <a:defRPr/>
+            </a:pPr>
+            <a:fld id="{DB9721C8-080E-4AE7-89F7-915173249943}" type="slidenum">
+              <a:rPr lang="en-US" smtClean="0"/>
+              <a:pPr>
+                <a:defRPr/>
+              </a:pPr>
+              <a:t>22</a:t>
+            </a:fld>
+            <a:endParaRPr lang="en-US"/>
+          </a:p>
+        </p:txBody>
+      </p:sp>
+    </p:spTree>
+    <p:extLst>
+      <p:ext uri="{BB962C8B-B14F-4D97-AF65-F5344CB8AC3E}">
+        <p14:creationId xmlns:p14="http://schemas.microsoft.com/office/powerpoint/2010/main" val="442523333"/>
+      </p:ext>
+    </p:extLst>
+  </p:cSld>
+  <p:clrMapOvr>
+    <a:masterClrMapping/>
+  </p:clrMapOvr>
+</p:notes>
+</file>
+
+<file path=ppt/notesSlides/notesSlide23.xml><?xml version="1.0" encoding="utf-8"?>
+<p:notes xmlns:a="http://schemas.openxmlformats.org/drawingml/2006/main" xmlns:r="http://schemas.openxmlformats.org/officeDocument/2006/relationships" xmlns:p="http://schemas.openxmlformats.org/presentationml/2006/main">
+  <p:cSld>
+    <p:spTree>
+      <p:nvGrpSpPr>
+        <p:cNvPr id="1" name=""/>
+        <p:cNvGrpSpPr/>
+        <p:nvPr/>
+      </p:nvGrpSpPr>
+      <p:grpSpPr>
+        <a:xfrm>
+          <a:off x="0" y="0"/>
+          <a:ext cx="0" cy="0"/>
+          <a:chOff x="0" y="0"/>
+          <a:chExt cx="0" cy="0"/>
+        </a:xfrm>
+      </p:grpSpPr>
+      <p:sp>
+        <p:nvSpPr>
+          <p:cNvPr id="2" name="Slide Image Placeholder 1"/>
+          <p:cNvSpPr>
+            <a:spLocks noGrp="1" noRot="1" noChangeAspect="1"/>
+          </p:cNvSpPr>
+          <p:nvPr>
+            <p:ph type="sldImg"/>
+          </p:nvPr>
+        </p:nvSpPr>
+        <p:spPr/>
+      </p:sp>
+      <p:sp>
+        <p:nvSpPr>
+          <p:cNvPr id="3" name="Notes Placeholder 2"/>
+          <p:cNvSpPr>
+            <a:spLocks noGrp="1"/>
+          </p:cNvSpPr>
+          <p:nvPr>
+            <p:ph type="body" idx="1"/>
+          </p:nvPr>
+        </p:nvSpPr>
+        <p:spPr/>
+        <p:txBody>
+          <a:bodyPr/>
+          <a:lstStyle/>
+          <a:p>
+            <a:endParaRPr lang="en-US"/>
+          </a:p>
+        </p:txBody>
+      </p:sp>
+      <p:sp>
+        <p:nvSpPr>
+          <p:cNvPr id="4" name="Slide Number Placeholder 3"/>
+          <p:cNvSpPr>
+            <a:spLocks noGrp="1"/>
+          </p:cNvSpPr>
+          <p:nvPr>
+            <p:ph type="sldNum" sz="quarter" idx="5"/>
+          </p:nvPr>
+        </p:nvSpPr>
+        <p:spPr/>
+        <p:txBody>
+          <a:bodyPr/>
+          <a:lstStyle/>
+          <a:p>
+            <a:pPr>
+              <a:defRPr/>
+            </a:pPr>
+            <a:fld id="{DB9721C8-080E-4AE7-89F7-915173249943}" type="slidenum">
+              <a:rPr lang="en-US" smtClean="0"/>
+              <a:pPr>
+                <a:defRPr/>
+              </a:pPr>
+              <a:t>23</a:t>
+            </a:fld>
+            <a:endParaRPr lang="en-US"/>
+          </a:p>
+        </p:txBody>
+      </p:sp>
+    </p:spTree>
+    <p:extLst>
+      <p:ext uri="{BB962C8B-B14F-4D97-AF65-F5344CB8AC3E}">
+        <p14:creationId xmlns:p14="http://schemas.microsoft.com/office/powerpoint/2010/main" val="2766367649"/>
+      </p:ext>
+    </p:extLst>
+  </p:cSld>
+  <p:clrMapOvr>
+    <a:masterClrMapping/>
+  </p:clrMapOvr>
+</p:notes>
+</file>
+
+<file path=ppt/notesSlides/notesSlide3.xml><?xml version="1.0" encoding="utf-8"?>
 <p:notes xmlns:a="http://schemas.openxmlformats.org/drawingml/2006/main" xmlns:r="http://schemas.openxmlformats.org/officeDocument/2006/relationships" xmlns:p="http://schemas.openxmlformats.org/presentationml/2006/main">
   <p:cSld>
     <p:spTree>
@@ -26999,97 +27461,7 @@
 </p:notes>
 </file>
 
-<file path=ppt/notesSlides/notesSlide20.xml><?xml version="1.0" encoding="utf-8"?>
-<p:notes xmlns:a="http://schemas.openxmlformats.org/drawingml/2006/main" xmlns:r="http://schemas.openxmlformats.org/officeDocument/2006/relationships" xmlns:p="http://schemas.openxmlformats.org/presentationml/2006/main">
-  <p:cSld>
-    <p:spTree>
-      <p:nvGrpSpPr>
-        <p:cNvPr id="1" name=""/>
-        <p:cNvGrpSpPr/>
-        <p:nvPr/>
-      </p:nvGrpSpPr>
-      <p:grpSpPr>
-        <a:xfrm>
-          <a:off x="0" y="0"/>
-          <a:ext cx="0" cy="0"/>
-          <a:chOff x="0" y="0"/>
-          <a:chExt cx="0" cy="0"/>
-        </a:xfrm>
-      </p:grpSpPr>
-      <p:sp>
-        <p:nvSpPr>
-          <p:cNvPr id="2" name="Slide Image Placeholder 1"/>
-          <p:cNvSpPr>
-            <a:spLocks noGrp="1" noRot="1" noChangeAspect="1"/>
-          </p:cNvSpPr>
-          <p:nvPr>
-            <p:ph type="sldImg"/>
-          </p:nvPr>
-        </p:nvSpPr>
-        <p:spPr/>
-      </p:sp>
-      <p:sp>
-        <p:nvSpPr>
-          <p:cNvPr id="3" name="Notes Placeholder 2"/>
-          <p:cNvSpPr>
-            <a:spLocks noGrp="1"/>
-          </p:cNvSpPr>
-          <p:nvPr>
-            <p:ph type="body" idx="1"/>
-          </p:nvPr>
-        </p:nvSpPr>
-        <p:spPr/>
-        <p:txBody>
-          <a:bodyPr/>
-          <a:lstStyle/>
-          <a:p>
-            <a:endParaRPr lang="en-US"/>
-          </a:p>
-        </p:txBody>
-      </p:sp>
-      <p:sp>
-        <p:nvSpPr>
-          <p:cNvPr id="4" name="Slide Number Placeholder 3"/>
-          <p:cNvSpPr>
-            <a:spLocks noGrp="1"/>
-          </p:cNvSpPr>
-          <p:nvPr>
-            <p:ph type="sldNum" sz="quarter" idx="5"/>
-          </p:nvPr>
-        </p:nvSpPr>
-        <p:spPr/>
-        <p:txBody>
-          <a:bodyPr/>
-          <a:lstStyle/>
-          <a:p>
-            <a:pPr>
-              <a:defRPr/>
-            </a:pPr>
-            <a:fld id="{DB9721C8-080E-4AE7-89F7-915173249943}" type="slidenum">
-              <a:rPr lang="en-US" smtClean="0"/>
-              <a:pPr>
-                <a:defRPr/>
-              </a:pPr>
-              <a:t>21</a:t>
-            </a:fld>
-            <a:endParaRPr lang="en-US"/>
-          </a:p>
-        </p:txBody>
-      </p:sp>
-    </p:spTree>
-    <p:extLst>
-      <p:ext uri="{BB962C8B-B14F-4D97-AF65-F5344CB8AC3E}">
-        <p14:creationId xmlns:p14="http://schemas.microsoft.com/office/powerpoint/2010/main" val="442523333"/>
-      </p:ext>
-    </p:extLst>
-  </p:cSld>
-  <p:clrMapOvr>
-    <a:masterClrMapping/>
-  </p:clrMapOvr>
-</p:notes>
-</file>
-
-<file path=ppt/notesSlides/notesSlide3.xml><?xml version="1.0" encoding="utf-8"?>
+<file path=ppt/notesSlides/notesSlide4.xml><?xml version="1.0" encoding="utf-8"?>
 <p:notes xmlns:a="http://schemas.openxmlformats.org/drawingml/2006/main" xmlns:r="http://schemas.openxmlformats.org/officeDocument/2006/relationships" xmlns:p="http://schemas.openxmlformats.org/presentationml/2006/main">
   <p:cSld>
     <p:spTree>
@@ -27179,7 +27551,7 @@
 </p:notes>
 </file>
 
-<file path=ppt/notesSlides/notesSlide4.xml><?xml version="1.0" encoding="utf-8"?>
+<file path=ppt/notesSlides/notesSlide5.xml><?xml version="1.0" encoding="utf-8"?>
 <p:notes xmlns:a="http://schemas.openxmlformats.org/drawingml/2006/main" xmlns:r="http://schemas.openxmlformats.org/officeDocument/2006/relationships" xmlns:p="http://schemas.openxmlformats.org/presentationml/2006/main">
   <p:cSld>
     <p:spTree>
@@ -27269,7 +27641,7 @@
 </p:notes>
 </file>
 
-<file path=ppt/notesSlides/notesSlide5.xml><?xml version="1.0" encoding="utf-8"?>
+<file path=ppt/notesSlides/notesSlide6.xml><?xml version="1.0" encoding="utf-8"?>
 <p:notes xmlns:a="http://schemas.openxmlformats.org/drawingml/2006/main" xmlns:r="http://schemas.openxmlformats.org/officeDocument/2006/relationships" xmlns:p="http://schemas.openxmlformats.org/presentationml/2006/main">
   <p:cSld>
     <p:spTree>
@@ -27359,7 +27731,7 @@
 </p:notes>
 </file>
 
-<file path=ppt/notesSlides/notesSlide6.xml><?xml version="1.0" encoding="utf-8"?>
+<file path=ppt/notesSlides/notesSlide7.xml><?xml version="1.0" encoding="utf-8"?>
 <p:notes xmlns:a="http://schemas.openxmlformats.org/drawingml/2006/main" xmlns:r="http://schemas.openxmlformats.org/officeDocument/2006/relationships" xmlns:p="http://schemas.openxmlformats.org/presentationml/2006/main">
   <p:cSld>
     <p:spTree>
@@ -27449,7 +27821,7 @@
 </p:notes>
 </file>
 
-<file path=ppt/notesSlides/notesSlide7.xml><?xml version="1.0" encoding="utf-8"?>
+<file path=ppt/notesSlides/notesSlide8.xml><?xml version="1.0" encoding="utf-8"?>
 <p:notes xmlns:a="http://schemas.openxmlformats.org/drawingml/2006/main" xmlns:r="http://schemas.openxmlformats.org/officeDocument/2006/relationships" xmlns:p="http://schemas.openxmlformats.org/presentationml/2006/main">
   <p:cSld>
     <p:spTree>
@@ -27548,7 +27920,7 @@
 </p:notes>
 </file>
 
-<file path=ppt/notesSlides/notesSlide8.xml><?xml version="1.0" encoding="utf-8"?>
+<file path=ppt/notesSlides/notesSlide9.xml><?xml version="1.0" encoding="utf-8"?>
 <p:notes xmlns:a="http://schemas.openxmlformats.org/drawingml/2006/main" xmlns:r="http://schemas.openxmlformats.org/officeDocument/2006/relationships" xmlns:p="http://schemas.openxmlformats.org/presentationml/2006/main">
   <p:cSld>
     <p:spTree>
@@ -27629,96 +28001,6 @@
     <p:extLst>
       <p:ext uri="{BB962C8B-B14F-4D97-AF65-F5344CB8AC3E}">
         <p14:creationId xmlns:p14="http://schemas.microsoft.com/office/powerpoint/2010/main" val="1946196363"/>
-      </p:ext>
-    </p:extLst>
-  </p:cSld>
-  <p:clrMapOvr>
-    <a:masterClrMapping/>
-  </p:clrMapOvr>
-</p:notes>
-</file>
-
-<file path=ppt/notesSlides/notesSlide9.xml><?xml version="1.0" encoding="utf-8"?>
-<p:notes xmlns:a="http://schemas.openxmlformats.org/drawingml/2006/main" xmlns:r="http://schemas.openxmlformats.org/officeDocument/2006/relationships" xmlns:p="http://schemas.openxmlformats.org/presentationml/2006/main">
-  <p:cSld>
-    <p:spTree>
-      <p:nvGrpSpPr>
-        <p:cNvPr id="1" name=""/>
-        <p:cNvGrpSpPr/>
-        <p:nvPr/>
-      </p:nvGrpSpPr>
-      <p:grpSpPr>
-        <a:xfrm>
-          <a:off x="0" y="0"/>
-          <a:ext cx="0" cy="0"/>
-          <a:chOff x="0" y="0"/>
-          <a:chExt cx="0" cy="0"/>
-        </a:xfrm>
-      </p:grpSpPr>
-      <p:sp>
-        <p:nvSpPr>
-          <p:cNvPr id="2" name="Slide Image Placeholder 1"/>
-          <p:cNvSpPr>
-            <a:spLocks noGrp="1" noRot="1" noChangeAspect="1"/>
-          </p:cNvSpPr>
-          <p:nvPr>
-            <p:ph type="sldImg"/>
-          </p:nvPr>
-        </p:nvSpPr>
-        <p:spPr/>
-      </p:sp>
-      <p:sp>
-        <p:nvSpPr>
-          <p:cNvPr id="3" name="Notes Placeholder 2"/>
-          <p:cNvSpPr>
-            <a:spLocks noGrp="1"/>
-          </p:cNvSpPr>
-          <p:nvPr>
-            <p:ph type="body" idx="1"/>
-          </p:nvPr>
-        </p:nvSpPr>
-        <p:spPr/>
-        <p:txBody>
-          <a:bodyPr/>
-          <a:lstStyle/>
-          <a:p>
-            <a:endParaRPr lang="en-US"/>
-          </a:p>
-        </p:txBody>
-      </p:sp>
-      <p:sp>
-        <p:nvSpPr>
-          <p:cNvPr id="4" name="Slide Number Placeholder 3"/>
-          <p:cNvSpPr>
-            <a:spLocks noGrp="1"/>
-          </p:cNvSpPr>
-          <p:nvPr>
-            <p:ph type="sldNum" sz="quarter" idx="5"/>
-          </p:nvPr>
-        </p:nvSpPr>
-        <p:spPr/>
-        <p:txBody>
-          <a:bodyPr/>
-          <a:lstStyle/>
-          <a:p>
-            <a:pPr>
-              <a:defRPr/>
-            </a:pPr>
-            <a:fld id="{DB9721C8-080E-4AE7-89F7-915173249943}" type="slidenum">
-              <a:rPr lang="en-US" smtClean="0"/>
-              <a:pPr>
-                <a:defRPr/>
-              </a:pPr>
-              <a:t>10</a:t>
-            </a:fld>
-            <a:endParaRPr lang="en-US"/>
-          </a:p>
-        </p:txBody>
-      </p:sp>
-    </p:spTree>
-    <p:extLst>
-      <p:ext uri="{BB962C8B-B14F-4D97-AF65-F5344CB8AC3E}">
-        <p14:creationId xmlns:p14="http://schemas.microsoft.com/office/powerpoint/2010/main" val="773838267"/>
       </p:ext>
     </p:extLst>
   </p:cSld>
@@ -32987,7 +33269,7 @@
           <a:p>
             <a:fld id="{023309ED-A3F5-1148-A338-EFA8C9AAB689}" type="datetimeFigureOut">
               <a:rPr lang="en-US" smtClean="0"/>
-              <a:t>2/3/23</a:t>
+              <a:t>2/7/23</a:t>
             </a:fld>
             <a:endParaRPr lang="en-US"/>
           </a:p>
@@ -37303,6 +37585,122 @@
           <p:cNvPr id="2" name="Title 1">
             <a:extLst>
               <a:ext uri="{FF2B5EF4-FFF2-40B4-BE49-F238E27FC236}">
+                <a16:creationId xmlns:a16="http://schemas.microsoft.com/office/drawing/2014/main" id="{9AB5B13F-0F2F-E452-4F45-7A1B0DDBD769}"/>
+              </a:ext>
+            </a:extLst>
+          </p:cNvPr>
+          <p:cNvSpPr>
+            <a:spLocks noGrp="1"/>
+          </p:cNvSpPr>
+          <p:nvPr>
+            <p:ph type="ctrTitle"/>
+          </p:nvPr>
+        </p:nvSpPr>
+        <p:spPr/>
+        <p:txBody>
+          <a:bodyPr/>
+          <a:lstStyle/>
+          <a:p>
+            <a:endParaRPr lang="en-US"/>
+          </a:p>
+        </p:txBody>
+      </p:sp>
+      <p:sp>
+        <p:nvSpPr>
+          <p:cNvPr id="3" name="Subtitle 2">
+            <a:extLst>
+              <a:ext uri="{FF2B5EF4-FFF2-40B4-BE49-F238E27FC236}">
+                <a16:creationId xmlns:a16="http://schemas.microsoft.com/office/drawing/2014/main" id="{516FBA9B-3CF3-A90F-4301-456DEBED01E4}"/>
+              </a:ext>
+            </a:extLst>
+          </p:cNvPr>
+          <p:cNvSpPr>
+            <a:spLocks noGrp="1"/>
+          </p:cNvSpPr>
+          <p:nvPr>
+            <p:ph type="subTitle" idx="1"/>
+          </p:nvPr>
+        </p:nvSpPr>
+        <p:spPr/>
+        <p:txBody>
+          <a:bodyPr/>
+          <a:lstStyle/>
+          <a:p>
+            <a:endParaRPr lang="en-US"/>
+          </a:p>
+        </p:txBody>
+      </p:sp>
+      <p:pic>
+        <p:nvPicPr>
+          <p:cNvPr id="5" name="slide.url=https://www.polleverywhere.com/clickable_images/HzIzh6iG4Wx64mvZ2ka7o">
+            <a:extLst>
+              <a:ext uri="{FF2B5EF4-FFF2-40B4-BE49-F238E27FC236}">
+                <a16:creationId xmlns:a16="http://schemas.microsoft.com/office/drawing/2014/main" id="{B2F3D196-1CDB-278D-419A-CDDF7D0369AB}"/>
+              </a:ext>
+            </a:extLst>
+          </p:cNvPr>
+          <p:cNvPicPr>
+            <a:picLocks/>
+          </p:cNvPicPr>
+          <p:nvPr/>
+        </p:nvPicPr>
+        <p:blipFill>
+          <a:blip r:embed="rId3">
+            <a:extLst>
+              <a:ext uri="{28A0092B-C50C-407E-A947-70E740481C1C}">
+                <a14:useLocalDpi xmlns:a14="http://schemas.microsoft.com/office/drawing/2010/main" val="0"/>
+              </a:ext>
+            </a:extLst>
+          </a:blip>
+          <a:stretch>
+            <a:fillRect/>
+          </a:stretch>
+        </p:blipFill>
+        <p:spPr>
+          <a:xfrm>
+            <a:off x="63500" y="63500"/>
+            <a:ext cx="12065000" cy="6731000"/>
+          </a:xfrm>
+          <a:prstGeom prst="rect">
+            <a:avLst/>
+          </a:prstGeom>
+        </p:spPr>
+      </p:pic>
+    </p:spTree>
+    <p:extLst>
+      <p:ext uri="{BB962C8B-B14F-4D97-AF65-F5344CB8AC3E}">
+        <p14:creationId xmlns:p14="http://schemas.microsoft.com/office/powerpoint/2010/main" val="1307128799"/>
+      </p:ext>
+    </p:extLst>
+  </p:cSld>
+  <p:clrMapOvr>
+    <a:masterClrMapping/>
+  </p:clrMapOvr>
+</p:sld>
+</file>
+
+<file path=ppt/slides/slide14.xml><?xml version="1.0" encoding="utf-8"?>
+<p:sld xmlns:a="http://schemas.openxmlformats.org/drawingml/2006/main" xmlns:r="http://schemas.openxmlformats.org/officeDocument/2006/relationships" xmlns:p="http://schemas.openxmlformats.org/presentationml/2006/main">
+  <p:cSld>
+    <p:spTree>
+      <p:nvGrpSpPr>
+        <p:cNvPr id="1" name=""/>
+        <p:cNvGrpSpPr/>
+        <p:nvPr/>
+      </p:nvGrpSpPr>
+      <p:grpSpPr>
+        <a:xfrm>
+          <a:off x="0" y="0"/>
+          <a:ext cx="0" cy="0"/>
+          <a:chOff x="0" y="0"/>
+          <a:chExt cx="0" cy="0"/>
+        </a:xfrm>
+      </p:grpSpPr>
+      <p:sp>
+        <p:nvSpPr>
+          <p:cNvPr id="2" name="Title 1">
+            <a:extLst>
+              <a:ext uri="{FF2B5EF4-FFF2-40B4-BE49-F238E27FC236}">
                 <a16:creationId xmlns:a16="http://schemas.microsoft.com/office/drawing/2014/main" id="{BC81FF3C-7538-4D44-9B23-1B78DB7AB702}"/>
               </a:ext>
             </a:extLst>
@@ -37499,7 +37897,7 @@
               <a:pPr>
                 <a:defRPr/>
               </a:pPr>
-              <a:t>13</a:t>
+              <a:t>14</a:t>
             </a:fld>
             <a:endParaRPr lang="en-US"/>
           </a:p>
@@ -37548,7 +37946,7 @@
 </p:sld>
 </file>
 
-<file path=ppt/slides/slide14.xml><?xml version="1.0" encoding="utf-8"?>
+<file path=ppt/slides/slide15.xml><?xml version="1.0" encoding="utf-8"?>
 <p:sld xmlns:a="http://schemas.openxmlformats.org/drawingml/2006/main" xmlns:r="http://schemas.openxmlformats.org/officeDocument/2006/relationships" xmlns:p="http://schemas.openxmlformats.org/presentationml/2006/main">
   <p:cSld>
     <p:spTree>
@@ -37805,7 +38203,7 @@
                 </a:spcAft>
                 <a:defRPr/>
               </a:pPr>
-              <a:t>14</a:t>
+              <a:t>15</a:t>
             </a:fld>
             <a:endParaRPr lang="en-US"/>
           </a:p>
@@ -37990,7 +38388,7 @@
                 </a:spcAft>
                 <a:defRPr/>
               </a:pPr>
-              <a:t>14</a:t>
+              <a:t>15</a:t>
             </a:fld>
             <a:endParaRPr lang="en-US"/>
           </a:p>
@@ -38009,7 +38407,7 @@
 </p:sld>
 </file>
 
-<file path=ppt/slides/slide15.xml><?xml version="1.0" encoding="utf-8"?>
+<file path=ppt/slides/slide16.xml><?xml version="1.0" encoding="utf-8"?>
 <p:sld xmlns:a="http://schemas.openxmlformats.org/drawingml/2006/main" xmlns:r="http://schemas.openxmlformats.org/officeDocument/2006/relationships" xmlns:p="http://schemas.openxmlformats.org/presentationml/2006/main">
   <p:cSld>
     <p:spTree>
@@ -38266,7 +38664,7 @@
                 </a:spcAft>
                 <a:defRPr/>
               </a:pPr>
-              <a:t>15</a:t>
+              <a:t>16</a:t>
             </a:fld>
             <a:endParaRPr lang="en-US"/>
           </a:p>
@@ -38285,7 +38683,7 @@
 </p:sld>
 </file>
 
-<file path=ppt/slides/slide16.xml><?xml version="1.0" encoding="utf-8"?>
+<file path=ppt/slides/slide17.xml><?xml version="1.0" encoding="utf-8"?>
 <p:sld xmlns:a="http://schemas.openxmlformats.org/drawingml/2006/main" xmlns:r="http://schemas.openxmlformats.org/officeDocument/2006/relationships" xmlns:p="http://schemas.openxmlformats.org/presentationml/2006/main">
   <p:cSld>
     <p:spTree>
@@ -38542,7 +38940,7 @@
                 </a:spcAft>
                 <a:defRPr/>
               </a:pPr>
-              <a:t>16</a:t>
+              <a:t>17</a:t>
             </a:fld>
             <a:endParaRPr lang="en-US"/>
           </a:p>
@@ -38561,7 +38959,7 @@
 </p:sld>
 </file>
 
-<file path=ppt/slides/slide17.xml><?xml version="1.0" encoding="utf-8"?>
+<file path=ppt/slides/slide18.xml><?xml version="1.0" encoding="utf-8"?>
 <p:sld xmlns:a="http://schemas.openxmlformats.org/drawingml/2006/main" xmlns:r="http://schemas.openxmlformats.org/officeDocument/2006/relationships" xmlns:p="http://schemas.openxmlformats.org/presentationml/2006/main">
   <p:cSld>
     <p:spTree>
@@ -38681,7 +39079,7 @@
                 </a:spcAft>
                 <a:defRPr/>
               </a:pPr>
-              <a:t>17</a:t>
+              <a:t>18</a:t>
             </a:fld>
             <a:endParaRPr lang="en-US"/>
           </a:p>
@@ -38700,7 +39098,7 @@
 </p:sld>
 </file>
 
-<file path=ppt/slides/slide18.xml><?xml version="1.0" encoding="utf-8"?>
+<file path=ppt/slides/slide19.xml><?xml version="1.0" encoding="utf-8"?>
 <p:sld xmlns:a="http://schemas.openxmlformats.org/drawingml/2006/main" xmlns:r="http://schemas.openxmlformats.org/officeDocument/2006/relationships" xmlns:p="http://schemas.openxmlformats.org/presentationml/2006/main">
   <p:cSld>
     <p:spTree>
@@ -38835,254 +39233,6 @@
             <a:extLst>
               <a:ext uri="{FF2B5EF4-FFF2-40B4-BE49-F238E27FC236}">
                 <a16:creationId xmlns:a16="http://schemas.microsoft.com/office/drawing/2014/main" id="{FDC816BC-A01C-8741-9F6C-83E74815F821}"/>
-              </a:ext>
-            </a:extLst>
-          </p:cNvPr>
-          <p:cNvSpPr>
-            <a:spLocks noGrp="1"/>
-          </p:cNvSpPr>
-          <p:nvPr>
-            <p:ph type="sldNum" sz="quarter" idx="4294967295"/>
-          </p:nvPr>
-        </p:nvSpPr>
-        <p:spPr>
-          <a:xfrm>
-            <a:off x="0" y="0"/>
-            <a:ext cx="0" cy="0"/>
-          </a:xfrm>
-        </p:spPr>
-        <p:txBody>
-          <a:bodyPr/>
-          <a:lstStyle/>
-          <a:p>
-            <a:pPr>
-              <a:defRPr/>
-            </a:pPr>
-            <a:fld id="{3464530E-D695-45C9-AFB6-E411BBE0972A}" type="slidenum">
-              <a:rPr lang="en-US" smtClean="0"/>
-              <a:pPr>
-                <a:defRPr/>
-              </a:pPr>
-              <a:t>18</a:t>
-            </a:fld>
-            <a:endParaRPr lang="en-US"/>
-          </a:p>
-        </p:txBody>
-      </p:sp>
-      <p:sp>
-        <p:nvSpPr>
-          <p:cNvPr id="5" name="Rectangle 4">
-            <a:extLst>
-              <a:ext uri="{FF2B5EF4-FFF2-40B4-BE49-F238E27FC236}">
-                <a16:creationId xmlns:a16="http://schemas.microsoft.com/office/drawing/2014/main" id="{9B4DB5A9-F467-1947-9116-488A31EA4D66}"/>
-              </a:ext>
-            </a:extLst>
-          </p:cNvPr>
-          <p:cNvSpPr/>
-          <p:nvPr/>
-        </p:nvSpPr>
-        <p:spPr>
-          <a:xfrm>
-            <a:off x="1524000" y="5802906"/>
-            <a:ext cx="4572000" cy="369332"/>
-          </a:xfrm>
-          <a:prstGeom prst="rect">
-            <a:avLst/>
-          </a:prstGeom>
-        </p:spPr>
-        <p:txBody>
-          <a:bodyPr>
-            <a:spAutoFit/>
-          </a:bodyPr>
-          <a:lstStyle/>
-          <a:p>
-            <a:r>
-              <a:rPr lang="en-US" sz="900" i="1" dirty="0">
-                <a:latin typeface="Helvetica" pitchFamily="2" charset="0"/>
-              </a:rPr>
-              <a:t>L. MacLeod, M. </a:t>
-            </a:r>
-            <a:r>
-              <a:rPr lang="en-US" sz="900" i="1" dirty="0" err="1">
-                <a:latin typeface="Helvetica" pitchFamily="2" charset="0"/>
-              </a:rPr>
-              <a:t>Greiler</a:t>
-            </a:r>
-            <a:r>
-              <a:rPr lang="en-US" sz="900" i="1" dirty="0">
-                <a:latin typeface="Helvetica" pitchFamily="2" charset="0"/>
-              </a:rPr>
-              <a:t>, M.-A. </a:t>
-            </a:r>
-            <a:r>
-              <a:rPr lang="en-US" sz="900" i="1" dirty="0" err="1">
-                <a:latin typeface="Helvetica" pitchFamily="2" charset="0"/>
-              </a:rPr>
-              <a:t>Storey</a:t>
-            </a:r>
-            <a:r>
-              <a:rPr lang="en-US" sz="900" i="1" dirty="0">
-                <a:latin typeface="Helvetica" pitchFamily="2" charset="0"/>
-              </a:rPr>
-              <a:t>, C. Bird, and J. Czerwonka, “Code Reviewing in the Trenches,” IEEE Software., vol. 35, pp. 34–42, 2018. </a:t>
-            </a:r>
-            <a:r>
-              <a:rPr lang="en-US" sz="900" dirty="0">
-                <a:latin typeface="Helvetica" pitchFamily="2" charset="0"/>
-              </a:rPr>
-              <a:t>33 </a:t>
-            </a:r>
-          </a:p>
-        </p:txBody>
-      </p:sp>
-    </p:spTree>
-    <p:extLst>
-      <p:ext uri="{BB962C8B-B14F-4D97-AF65-F5344CB8AC3E}">
-        <p14:creationId xmlns:p14="http://schemas.microsoft.com/office/powerpoint/2010/main" val="3125157113"/>
-      </p:ext>
-    </p:extLst>
-  </p:cSld>
-  <p:clrMapOvr>
-    <a:masterClrMapping/>
-  </p:clrMapOvr>
-</p:sld>
-</file>
-
-<file path=ppt/slides/slide19.xml><?xml version="1.0" encoding="utf-8"?>
-<p:sld xmlns:a="http://schemas.openxmlformats.org/drawingml/2006/main" xmlns:r="http://schemas.openxmlformats.org/officeDocument/2006/relationships" xmlns:p="http://schemas.openxmlformats.org/presentationml/2006/main">
-  <p:cSld>
-    <p:spTree>
-      <p:nvGrpSpPr>
-        <p:cNvPr id="1" name=""/>
-        <p:cNvGrpSpPr/>
-        <p:nvPr/>
-      </p:nvGrpSpPr>
-      <p:grpSpPr>
-        <a:xfrm>
-          <a:off x="0" y="0"/>
-          <a:ext cx="0" cy="0"/>
-          <a:chOff x="0" y="0"/>
-          <a:chExt cx="0" cy="0"/>
-        </a:xfrm>
-      </p:grpSpPr>
-      <p:sp>
-        <p:nvSpPr>
-          <p:cNvPr id="3" name="Content Placeholder 2">
-            <a:extLst>
-              <a:ext uri="{FF2B5EF4-FFF2-40B4-BE49-F238E27FC236}">
-                <a16:creationId xmlns:a16="http://schemas.microsoft.com/office/drawing/2014/main" id="{5A25A13A-ED95-F346-B788-5B6801E7AE92}"/>
-              </a:ext>
-            </a:extLst>
-          </p:cNvPr>
-          <p:cNvSpPr>
-            <a:spLocks noGrp="1"/>
-          </p:cNvSpPr>
-          <p:nvPr>
-            <p:ph idx="1"/>
-          </p:nvPr>
-        </p:nvSpPr>
-        <p:spPr/>
-        <p:txBody>
-          <a:bodyPr/>
-          <a:lstStyle/>
-          <a:p>
-            <a:r>
-              <a:rPr lang="en-US" b="1" dirty="0"/>
-              <a:t>As a reviewer</a:t>
-            </a:r>
-            <a:r>
-              <a:rPr lang="en-US" dirty="0"/>
-              <a:t>, you should </a:t>
-            </a:r>
-          </a:p>
-          <a:p>
-            <a:pPr lvl="1"/>
-            <a:r>
-              <a:rPr lang="en-US" dirty="0"/>
-              <a:t>Set aside dedicated, bounded time for reviews </a:t>
-            </a:r>
-          </a:p>
-          <a:p>
-            <a:pPr lvl="1"/>
-            <a:r>
-              <a:rPr lang="en-US" dirty="0"/>
-              <a:t>Review frequently, doing fewer changes at a time </a:t>
-            </a:r>
-          </a:p>
-          <a:p>
-            <a:pPr lvl="1"/>
-            <a:r>
-              <a:rPr lang="en-US" dirty="0"/>
-              <a:t>Provide feedback to authors as soon as possible </a:t>
-            </a:r>
-          </a:p>
-          <a:p>
-            <a:pPr lvl="1"/>
-            <a:r>
-              <a:rPr lang="en-US" dirty="0"/>
-              <a:t>Focus on core issues first; avoid nitpicking </a:t>
-            </a:r>
-          </a:p>
-          <a:p>
-            <a:pPr lvl="1"/>
-            <a:r>
-              <a:rPr lang="en-US" dirty="0"/>
-              <a:t>Give constructive, respectful feedback </a:t>
-            </a:r>
-          </a:p>
-          <a:p>
-            <a:pPr lvl="1"/>
-            <a:r>
-              <a:rPr lang="en-US" dirty="0"/>
-              <a:t>Choose communication channels carefully; talk face-to-face for contentious issues (Don’t forget to document the conclusion!) </a:t>
-            </a:r>
-          </a:p>
-          <a:p>
-            <a:pPr lvl="1"/>
-            <a:r>
-              <a:rPr lang="en-US" dirty="0"/>
-              <a:t>Be prepared to iterate and review again</a:t>
-            </a:r>
-          </a:p>
-          <a:p>
-            <a:endParaRPr lang="en-US" dirty="0"/>
-          </a:p>
-        </p:txBody>
-      </p:sp>
-      <p:sp>
-        <p:nvSpPr>
-          <p:cNvPr id="2" name="Title 1">
-            <a:extLst>
-              <a:ext uri="{FF2B5EF4-FFF2-40B4-BE49-F238E27FC236}">
-                <a16:creationId xmlns:a16="http://schemas.microsoft.com/office/drawing/2014/main" id="{154ADB7F-1B8C-CD48-8809-CFF3A199411B}"/>
-              </a:ext>
-            </a:extLst>
-          </p:cNvPr>
-          <p:cNvSpPr>
-            <a:spLocks noGrp="1"/>
-          </p:cNvSpPr>
-          <p:nvPr>
-            <p:ph type="title"/>
-          </p:nvPr>
-        </p:nvSpPr>
-        <p:spPr/>
-        <p:txBody>
-          <a:bodyPr/>
-          <a:lstStyle/>
-          <a:p>
-            <a:r>
-              <a:rPr lang="en-US" dirty="0"/>
-              <a:t>HOW?</a:t>
-            </a:r>
-          </a:p>
-        </p:txBody>
-      </p:sp>
-      <p:sp>
-        <p:nvSpPr>
-          <p:cNvPr id="4" name="Slide Number Placeholder 3">
-            <a:extLst>
-              <a:ext uri="{FF2B5EF4-FFF2-40B4-BE49-F238E27FC236}">
-                <a16:creationId xmlns:a16="http://schemas.microsoft.com/office/drawing/2014/main" id="{6147A6C2-D18F-6B42-8DE9-A3AF059897FD}"/>
               </a:ext>
             </a:extLst>
           </p:cNvPr>
@@ -39122,7 +39272,7 @@
           <p:cNvPr id="5" name="Rectangle 4">
             <a:extLst>
               <a:ext uri="{FF2B5EF4-FFF2-40B4-BE49-F238E27FC236}">
-                <a16:creationId xmlns:a16="http://schemas.microsoft.com/office/drawing/2014/main" id="{4DCADBC8-8AAC-B448-8EBF-4634F20A02BB}"/>
+                <a16:creationId xmlns:a16="http://schemas.microsoft.com/office/drawing/2014/main" id="{9B4DB5A9-F467-1947-9116-488A31EA4D66}"/>
               </a:ext>
             </a:extLst>
           </p:cNvPr>
@@ -39186,7 +39336,7 @@
     </p:spTree>
     <p:extLst>
       <p:ext uri="{BB962C8B-B14F-4D97-AF65-F5344CB8AC3E}">
-        <p14:creationId xmlns:p14="http://schemas.microsoft.com/office/powerpoint/2010/main" val="244458655"/>
+        <p14:creationId xmlns:p14="http://schemas.microsoft.com/office/powerpoint/2010/main" val="3125157113"/>
       </p:ext>
     </p:extLst>
   </p:cSld>
@@ -39306,6 +39456,254 @@
           <p:cNvPr id="3" name="Content Placeholder 2">
             <a:extLst>
               <a:ext uri="{FF2B5EF4-FFF2-40B4-BE49-F238E27FC236}">
+                <a16:creationId xmlns:a16="http://schemas.microsoft.com/office/drawing/2014/main" id="{5A25A13A-ED95-F346-B788-5B6801E7AE92}"/>
+              </a:ext>
+            </a:extLst>
+          </p:cNvPr>
+          <p:cNvSpPr>
+            <a:spLocks noGrp="1"/>
+          </p:cNvSpPr>
+          <p:nvPr>
+            <p:ph idx="1"/>
+          </p:nvPr>
+        </p:nvSpPr>
+        <p:spPr/>
+        <p:txBody>
+          <a:bodyPr/>
+          <a:lstStyle/>
+          <a:p>
+            <a:r>
+              <a:rPr lang="en-US" b="1" dirty="0"/>
+              <a:t>As a reviewer</a:t>
+            </a:r>
+            <a:r>
+              <a:rPr lang="en-US" dirty="0"/>
+              <a:t>, you should </a:t>
+            </a:r>
+          </a:p>
+          <a:p>
+            <a:pPr lvl="1"/>
+            <a:r>
+              <a:rPr lang="en-US" dirty="0"/>
+              <a:t>Set aside dedicated, bounded time for reviews </a:t>
+            </a:r>
+          </a:p>
+          <a:p>
+            <a:pPr lvl="1"/>
+            <a:r>
+              <a:rPr lang="en-US" dirty="0"/>
+              <a:t>Review frequently, doing fewer changes at a time </a:t>
+            </a:r>
+          </a:p>
+          <a:p>
+            <a:pPr lvl="1"/>
+            <a:r>
+              <a:rPr lang="en-US" dirty="0"/>
+              <a:t>Provide feedback to authors as soon as possible </a:t>
+            </a:r>
+          </a:p>
+          <a:p>
+            <a:pPr lvl="1"/>
+            <a:r>
+              <a:rPr lang="en-US" dirty="0"/>
+              <a:t>Focus on core issues first; avoid nitpicking </a:t>
+            </a:r>
+          </a:p>
+          <a:p>
+            <a:pPr lvl="1"/>
+            <a:r>
+              <a:rPr lang="en-US" dirty="0"/>
+              <a:t>Give constructive, respectful feedback </a:t>
+            </a:r>
+          </a:p>
+          <a:p>
+            <a:pPr lvl="1"/>
+            <a:r>
+              <a:rPr lang="en-US" dirty="0"/>
+              <a:t>Choose communication channels carefully; talk face-to-face for contentious issues (Don’t forget to document the conclusion!) </a:t>
+            </a:r>
+          </a:p>
+          <a:p>
+            <a:pPr lvl="1"/>
+            <a:r>
+              <a:rPr lang="en-US" dirty="0"/>
+              <a:t>Be prepared to iterate and review again</a:t>
+            </a:r>
+          </a:p>
+          <a:p>
+            <a:endParaRPr lang="en-US" dirty="0"/>
+          </a:p>
+        </p:txBody>
+      </p:sp>
+      <p:sp>
+        <p:nvSpPr>
+          <p:cNvPr id="2" name="Title 1">
+            <a:extLst>
+              <a:ext uri="{FF2B5EF4-FFF2-40B4-BE49-F238E27FC236}">
+                <a16:creationId xmlns:a16="http://schemas.microsoft.com/office/drawing/2014/main" id="{154ADB7F-1B8C-CD48-8809-CFF3A199411B}"/>
+              </a:ext>
+            </a:extLst>
+          </p:cNvPr>
+          <p:cNvSpPr>
+            <a:spLocks noGrp="1"/>
+          </p:cNvSpPr>
+          <p:nvPr>
+            <p:ph type="title"/>
+          </p:nvPr>
+        </p:nvSpPr>
+        <p:spPr/>
+        <p:txBody>
+          <a:bodyPr/>
+          <a:lstStyle/>
+          <a:p>
+            <a:r>
+              <a:rPr lang="en-US" dirty="0"/>
+              <a:t>HOW?</a:t>
+            </a:r>
+          </a:p>
+        </p:txBody>
+      </p:sp>
+      <p:sp>
+        <p:nvSpPr>
+          <p:cNvPr id="4" name="Slide Number Placeholder 3">
+            <a:extLst>
+              <a:ext uri="{FF2B5EF4-FFF2-40B4-BE49-F238E27FC236}">
+                <a16:creationId xmlns:a16="http://schemas.microsoft.com/office/drawing/2014/main" id="{6147A6C2-D18F-6B42-8DE9-A3AF059897FD}"/>
+              </a:ext>
+            </a:extLst>
+          </p:cNvPr>
+          <p:cNvSpPr>
+            <a:spLocks noGrp="1"/>
+          </p:cNvSpPr>
+          <p:nvPr>
+            <p:ph type="sldNum" sz="quarter" idx="4294967295"/>
+          </p:nvPr>
+        </p:nvSpPr>
+        <p:spPr>
+          <a:xfrm>
+            <a:off x="0" y="0"/>
+            <a:ext cx="0" cy="0"/>
+          </a:xfrm>
+        </p:spPr>
+        <p:txBody>
+          <a:bodyPr/>
+          <a:lstStyle/>
+          <a:p>
+            <a:pPr>
+              <a:defRPr/>
+            </a:pPr>
+            <a:fld id="{3464530E-D695-45C9-AFB6-E411BBE0972A}" type="slidenum">
+              <a:rPr lang="en-US" smtClean="0"/>
+              <a:pPr>
+                <a:defRPr/>
+              </a:pPr>
+              <a:t>20</a:t>
+            </a:fld>
+            <a:endParaRPr lang="en-US"/>
+          </a:p>
+        </p:txBody>
+      </p:sp>
+      <p:sp>
+        <p:nvSpPr>
+          <p:cNvPr id="5" name="Rectangle 4">
+            <a:extLst>
+              <a:ext uri="{FF2B5EF4-FFF2-40B4-BE49-F238E27FC236}">
+                <a16:creationId xmlns:a16="http://schemas.microsoft.com/office/drawing/2014/main" id="{4DCADBC8-8AAC-B448-8EBF-4634F20A02BB}"/>
+              </a:ext>
+            </a:extLst>
+          </p:cNvPr>
+          <p:cNvSpPr/>
+          <p:nvPr/>
+        </p:nvSpPr>
+        <p:spPr>
+          <a:xfrm>
+            <a:off x="1524000" y="5802906"/>
+            <a:ext cx="4572000" cy="369332"/>
+          </a:xfrm>
+          <a:prstGeom prst="rect">
+            <a:avLst/>
+          </a:prstGeom>
+        </p:spPr>
+        <p:txBody>
+          <a:bodyPr>
+            <a:spAutoFit/>
+          </a:bodyPr>
+          <a:lstStyle/>
+          <a:p>
+            <a:r>
+              <a:rPr lang="en-US" sz="900" i="1" dirty="0">
+                <a:latin typeface="Helvetica" pitchFamily="2" charset="0"/>
+              </a:rPr>
+              <a:t>L. MacLeod, M. </a:t>
+            </a:r>
+            <a:r>
+              <a:rPr lang="en-US" sz="900" i="1" dirty="0" err="1">
+                <a:latin typeface="Helvetica" pitchFamily="2" charset="0"/>
+              </a:rPr>
+              <a:t>Greiler</a:t>
+            </a:r>
+            <a:r>
+              <a:rPr lang="en-US" sz="900" i="1" dirty="0">
+                <a:latin typeface="Helvetica" pitchFamily="2" charset="0"/>
+              </a:rPr>
+              <a:t>, M.-A. </a:t>
+            </a:r>
+            <a:r>
+              <a:rPr lang="en-US" sz="900" i="1" dirty="0" err="1">
+                <a:latin typeface="Helvetica" pitchFamily="2" charset="0"/>
+              </a:rPr>
+              <a:t>Storey</a:t>
+            </a:r>
+            <a:r>
+              <a:rPr lang="en-US" sz="900" i="1" dirty="0">
+                <a:latin typeface="Helvetica" pitchFamily="2" charset="0"/>
+              </a:rPr>
+              <a:t>, C. Bird, and J. Czerwonka, “Code Reviewing in the Trenches,” IEEE Software., vol. 35, pp. 34–42, 2018. </a:t>
+            </a:r>
+            <a:r>
+              <a:rPr lang="en-US" sz="900" dirty="0">
+                <a:latin typeface="Helvetica" pitchFamily="2" charset="0"/>
+              </a:rPr>
+              <a:t>33 </a:t>
+            </a:r>
+          </a:p>
+        </p:txBody>
+      </p:sp>
+    </p:spTree>
+    <p:extLst>
+      <p:ext uri="{BB962C8B-B14F-4D97-AF65-F5344CB8AC3E}">
+        <p14:creationId xmlns:p14="http://schemas.microsoft.com/office/powerpoint/2010/main" val="244458655"/>
+      </p:ext>
+    </p:extLst>
+  </p:cSld>
+  <p:clrMapOvr>
+    <a:masterClrMapping/>
+  </p:clrMapOvr>
+</p:sld>
+</file>
+
+<file path=ppt/slides/slide21.xml><?xml version="1.0" encoding="utf-8"?>
+<p:sld xmlns:a="http://schemas.openxmlformats.org/drawingml/2006/main" xmlns:r="http://schemas.openxmlformats.org/officeDocument/2006/relationships" xmlns:p="http://schemas.openxmlformats.org/presentationml/2006/main">
+  <p:cSld>
+    <p:spTree>
+      <p:nvGrpSpPr>
+        <p:cNvPr id="1" name=""/>
+        <p:cNvGrpSpPr/>
+        <p:nvPr/>
+      </p:nvGrpSpPr>
+      <p:grpSpPr>
+        <a:xfrm>
+          <a:off x="0" y="0"/>
+          <a:ext cx="0" cy="0"/>
+          <a:chOff x="0" y="0"/>
+          <a:chExt cx="0" cy="0"/>
+        </a:xfrm>
+      </p:grpSpPr>
+      <p:sp>
+        <p:nvSpPr>
+          <p:cNvPr id="3" name="Content Placeholder 2">
+            <a:extLst>
+              <a:ext uri="{FF2B5EF4-FFF2-40B4-BE49-F238E27FC236}">
                 <a16:creationId xmlns:a16="http://schemas.microsoft.com/office/drawing/2014/main" id="{B66AFA59-5AEA-7545-98B0-7CFCD9BD29DF}"/>
               </a:ext>
             </a:extLst>
@@ -39517,7 +39915,7 @@
               <a:pPr>
                 <a:defRPr/>
               </a:pPr>
-              <a:t>20</a:t>
+              <a:t>21</a:t>
             </a:fld>
             <a:endParaRPr lang="en-US"/>
           </a:p>
@@ -39536,7 +39934,7 @@
 </p:sld>
 </file>
 
-<file path=ppt/slides/slide21.xml><?xml version="1.0" encoding="utf-8"?>
+<file path=ppt/slides/slide22.xml><?xml version="1.0" encoding="utf-8"?>
 <p:sld xmlns:a="http://schemas.openxmlformats.org/drawingml/2006/main" xmlns:r="http://schemas.openxmlformats.org/officeDocument/2006/relationships" xmlns:p="http://schemas.openxmlformats.org/presentationml/2006/main">
   <p:cSld>
     <p:spTree>
@@ -39672,7 +40070,7 @@
               <a:pPr>
                 <a:defRPr/>
               </a:pPr>
-              <a:t>21</a:t>
+              <a:t>22</a:t>
             </a:fld>
             <a:endParaRPr lang="en-US"/>
           </a:p>
@@ -39691,7 +40089,7 @@
 </p:sld>
 </file>
 
-<file path=ppt/slides/slide22.xml><?xml version="1.0" encoding="utf-8"?>
+<file path=ppt/slides/slide23.xml><?xml version="1.0" encoding="utf-8"?>
 <p:sld xmlns:a="http://schemas.openxmlformats.org/drawingml/2006/main" xmlns:r="http://schemas.openxmlformats.org/officeDocument/2006/relationships" xmlns:p="http://schemas.openxmlformats.org/presentationml/2006/main">
   <p:cSld>
     <p:spTree>
